--- a/docs/diagrams/LogicComponentBirthdaysSequenceDiagram.pptx
+++ b/docs/diagrams/LogicComponentBirthdaysSequenceDiagram.pptx
@@ -208,7 +208,7 @@
           <a:p>
             <a:fld id="{F5CC4B3F-88C1-4FFA-B1B6-F41C21DC6924}" type="datetimeFigureOut">
               <a:rPr lang="en-US" smtClean="0"/>
-              <a:t>3/25/2018</a:t>
+              <a:t>3/27/2018</a:t>
             </a:fld>
             <a:endParaRPr lang="en-US"/>
           </a:p>
@@ -654,7 +654,7 @@
           <a:p>
             <a:fld id="{78C97017-6FC3-485B-9764-EAC9E56C1D49}" type="datetimeFigureOut">
               <a:rPr lang="en-US" smtClean="0"/>
-              <a:t>3/25/2018</a:t>
+              <a:t>3/27/2018</a:t>
             </a:fld>
             <a:endParaRPr lang="en-US"/>
           </a:p>
@@ -822,7 +822,7 @@
           <a:p>
             <a:fld id="{78C97017-6FC3-485B-9764-EAC9E56C1D49}" type="datetimeFigureOut">
               <a:rPr lang="en-US" smtClean="0"/>
-              <a:t>3/25/2018</a:t>
+              <a:t>3/27/2018</a:t>
             </a:fld>
             <a:endParaRPr lang="en-US"/>
           </a:p>
@@ -1000,7 +1000,7 @@
           <a:p>
             <a:fld id="{78C97017-6FC3-485B-9764-EAC9E56C1D49}" type="datetimeFigureOut">
               <a:rPr lang="en-US" smtClean="0"/>
-              <a:t>3/25/2018</a:t>
+              <a:t>3/27/2018</a:t>
             </a:fld>
             <a:endParaRPr lang="en-US"/>
           </a:p>
@@ -1168,7 +1168,7 @@
           <a:p>
             <a:fld id="{78C97017-6FC3-485B-9764-EAC9E56C1D49}" type="datetimeFigureOut">
               <a:rPr lang="en-US" smtClean="0"/>
-              <a:t>3/25/2018</a:t>
+              <a:t>3/27/2018</a:t>
             </a:fld>
             <a:endParaRPr lang="en-US"/>
           </a:p>
@@ -1413,7 +1413,7 @@
           <a:p>
             <a:fld id="{78C97017-6FC3-485B-9764-EAC9E56C1D49}" type="datetimeFigureOut">
               <a:rPr lang="en-US" smtClean="0"/>
-              <a:t>3/25/2018</a:t>
+              <a:t>3/27/2018</a:t>
             </a:fld>
             <a:endParaRPr lang="en-US"/>
           </a:p>
@@ -1698,7 +1698,7 @@
           <a:p>
             <a:fld id="{78C97017-6FC3-485B-9764-EAC9E56C1D49}" type="datetimeFigureOut">
               <a:rPr lang="en-US" smtClean="0"/>
-              <a:t>3/25/2018</a:t>
+              <a:t>3/27/2018</a:t>
             </a:fld>
             <a:endParaRPr lang="en-US"/>
           </a:p>
@@ -2117,7 +2117,7 @@
           <a:p>
             <a:fld id="{78C97017-6FC3-485B-9764-EAC9E56C1D49}" type="datetimeFigureOut">
               <a:rPr lang="en-US" smtClean="0"/>
-              <a:t>3/25/2018</a:t>
+              <a:t>3/27/2018</a:t>
             </a:fld>
             <a:endParaRPr lang="en-US"/>
           </a:p>
@@ -2234,7 +2234,7 @@
           <a:p>
             <a:fld id="{78C97017-6FC3-485B-9764-EAC9E56C1D49}" type="datetimeFigureOut">
               <a:rPr lang="en-US" smtClean="0"/>
-              <a:t>3/25/2018</a:t>
+              <a:t>3/27/2018</a:t>
             </a:fld>
             <a:endParaRPr lang="en-US"/>
           </a:p>
@@ -2329,7 +2329,7 @@
           <a:p>
             <a:fld id="{78C97017-6FC3-485B-9764-EAC9E56C1D49}" type="datetimeFigureOut">
               <a:rPr lang="en-US" smtClean="0"/>
-              <a:t>3/25/2018</a:t>
+              <a:t>3/27/2018</a:t>
             </a:fld>
             <a:endParaRPr lang="en-US"/>
           </a:p>
@@ -2604,7 +2604,7 @@
           <a:p>
             <a:fld id="{78C97017-6FC3-485B-9764-EAC9E56C1D49}" type="datetimeFigureOut">
               <a:rPr lang="en-US" smtClean="0"/>
-              <a:t>3/25/2018</a:t>
+              <a:t>3/27/2018</a:t>
             </a:fld>
             <a:endParaRPr lang="en-US"/>
           </a:p>
@@ -2856,7 +2856,7 @@
           <a:p>
             <a:fld id="{78C97017-6FC3-485B-9764-EAC9E56C1D49}" type="datetimeFigureOut">
               <a:rPr lang="en-US" smtClean="0"/>
-              <a:t>3/25/2018</a:t>
+              <a:t>3/27/2018</a:t>
             </a:fld>
             <a:endParaRPr lang="en-US"/>
           </a:p>
@@ -3067,7 +3067,7 @@
           <a:p>
             <a:fld id="{78C97017-6FC3-485B-9764-EAC9E56C1D49}" type="datetimeFigureOut">
               <a:rPr lang="en-US" smtClean="0"/>
-              <a:t>3/25/2018</a:t>
+              <a:t>3/27/2018</a:t>
             </a:fld>
             <a:endParaRPr lang="en-US"/>
           </a:p>
@@ -3450,8 +3450,8 @@
         </p:nvSpPr>
         <p:spPr>
           <a:xfrm>
-            <a:off x="685800" y="990600"/>
-            <a:ext cx="5499544" cy="4716774"/>
+            <a:off x="662652" y="762000"/>
+            <a:ext cx="7073132" cy="4716774"/>
           </a:xfrm>
           <a:prstGeom prst="roundRect">
             <a:avLst>
@@ -3511,7 +3511,7 @@
         </p:nvSpPr>
         <p:spPr>
           <a:xfrm>
-            <a:off x="845045" y="1305946"/>
+            <a:off x="821897" y="1077346"/>
             <a:ext cx="1455629" cy="346760"/>
           </a:xfrm>
           <a:prstGeom prst="rect">
@@ -3578,7 +3578,7 @@
         </p:nvCxnSpPr>
         <p:spPr>
           <a:xfrm>
-            <a:off x="1572859" y="1669617"/>
+            <a:off x="1549711" y="1441017"/>
             <a:ext cx="0" cy="2597583"/>
           </a:xfrm>
           <a:prstGeom prst="line">
@@ -3615,7 +3615,7 @@
         </p:nvSpPr>
         <p:spPr>
           <a:xfrm>
-            <a:off x="1500851" y="2020311"/>
+            <a:off x="1477703" y="1791711"/>
             <a:ext cx="148918" cy="3536910"/>
           </a:xfrm>
           <a:prstGeom prst="rect">
@@ -3662,7 +3662,7 @@
         </p:nvSpPr>
         <p:spPr>
           <a:xfrm>
-            <a:off x="2743200" y="1188709"/>
+            <a:off x="2720052" y="960109"/>
             <a:ext cx="1219200" cy="467684"/>
           </a:xfrm>
           <a:prstGeom prst="rect">
@@ -3732,7 +3732,7 @@
         </p:nvCxnSpPr>
         <p:spPr>
           <a:xfrm>
-            <a:off x="3356599" y="1673304"/>
+            <a:off x="3333451" y="1444704"/>
             <a:ext cx="0" cy="1695374"/>
           </a:xfrm>
           <a:prstGeom prst="line">
@@ -3769,7 +3769,7 @@
         </p:nvSpPr>
         <p:spPr>
           <a:xfrm>
-            <a:off x="3284590" y="2131496"/>
+            <a:off x="3261442" y="1902896"/>
             <a:ext cx="174929" cy="1129459"/>
           </a:xfrm>
           <a:prstGeom prst="rect">
@@ -3820,7 +3820,7 @@
         </p:nvCxnSpPr>
         <p:spPr>
           <a:xfrm>
-            <a:off x="381000" y="2023999"/>
+            <a:off x="357852" y="1795399"/>
             <a:ext cx="1119851" cy="0"/>
           </a:xfrm>
           <a:prstGeom prst="straightConnector1">
@@ -3856,7 +3856,7 @@
         </p:nvCxnSpPr>
         <p:spPr>
           <a:xfrm flipV="1">
-            <a:off x="1653251" y="2131497"/>
+            <a:off x="1630103" y="1902897"/>
             <a:ext cx="1596514" cy="1"/>
           </a:xfrm>
           <a:prstGeom prst="straightConnector1">
@@ -3892,7 +3892,7 @@
         </p:nvSpPr>
         <p:spPr>
           <a:xfrm>
-            <a:off x="-129252" y="1752600"/>
+            <a:off x="-152400" y="1524000"/>
             <a:ext cx="1653252" cy="215444"/>
           </a:xfrm>
           <a:prstGeom prst="rect">
@@ -3926,7 +3926,7 @@
         </p:nvSpPr>
         <p:spPr>
           <a:xfrm>
-            <a:off x="4158121" y="3260956"/>
+            <a:off x="4134973" y="3032356"/>
             <a:ext cx="855809" cy="215444"/>
           </a:xfrm>
           <a:prstGeom prst="rect">
@@ -3966,7 +3966,7 @@
         </p:nvCxnSpPr>
         <p:spPr>
           <a:xfrm flipV="1">
-            <a:off x="1670186" y="3252631"/>
+            <a:off x="1647038" y="3024031"/>
             <a:ext cx="1596514" cy="5378"/>
           </a:xfrm>
           <a:prstGeom prst="straightConnector1">
@@ -4004,7 +4004,7 @@
         </p:nvCxnSpPr>
         <p:spPr>
           <a:xfrm>
-            <a:off x="304800" y="5557221"/>
+            <a:off x="281652" y="5328621"/>
             <a:ext cx="1196051" cy="0"/>
           </a:xfrm>
           <a:prstGeom prst="straightConnector1">
@@ -4042,7 +4042,7 @@
         </p:nvSpPr>
         <p:spPr>
           <a:xfrm>
-            <a:off x="6245078" y="3382153"/>
+            <a:off x="6221930" y="3153553"/>
             <a:ext cx="1366677" cy="303689"/>
           </a:xfrm>
           <a:prstGeom prst="rect">
@@ -4117,7 +4117,7 @@
         </p:nvCxnSpPr>
         <p:spPr>
           <a:xfrm>
-            <a:off x="1653251" y="3504717"/>
+            <a:off x="1630103" y="3276117"/>
             <a:ext cx="3432689" cy="0"/>
           </a:xfrm>
           <a:prstGeom prst="straightConnector1">
@@ -4153,7 +4153,7 @@
         </p:nvSpPr>
         <p:spPr>
           <a:xfrm>
-            <a:off x="5085939" y="3476400"/>
+            <a:off x="5062791" y="3247800"/>
             <a:ext cx="176389" cy="1917344"/>
           </a:xfrm>
           <a:prstGeom prst="rect">
@@ -4203,7 +4203,7 @@
         </p:nvCxnSpPr>
         <p:spPr>
           <a:xfrm flipH="1">
-            <a:off x="6943232" y="3867223"/>
+            <a:off x="6920084" y="3638623"/>
             <a:ext cx="2650" cy="857177"/>
           </a:xfrm>
           <a:prstGeom prst="line">
@@ -4243,7 +4243,7 @@
         </p:nvSpPr>
         <p:spPr>
           <a:xfrm>
-            <a:off x="6869682" y="3667420"/>
+            <a:off x="6846534" y="3438820"/>
             <a:ext cx="152400" cy="199803"/>
           </a:xfrm>
           <a:prstGeom prst="rect">
@@ -4302,7 +4302,7 @@
         </p:nvCxnSpPr>
         <p:spPr>
           <a:xfrm flipV="1">
-            <a:off x="5253803" y="3543300"/>
+            <a:off x="5230655" y="3314700"/>
             <a:ext cx="976844" cy="2542"/>
           </a:xfrm>
           <a:prstGeom prst="straightConnector1">
@@ -4341,7 +4341,7 @@
         </p:nvCxnSpPr>
         <p:spPr>
           <a:xfrm>
-            <a:off x="5239799" y="3856108"/>
+            <a:off x="5216651" y="3627508"/>
             <a:ext cx="1706083" cy="11115"/>
           </a:xfrm>
           <a:prstGeom prst="straightConnector1">
@@ -4384,7 +4384,7 @@
         </p:nvCxnSpPr>
         <p:spPr>
           <a:xfrm>
-            <a:off x="1646765" y="5334000"/>
+            <a:off x="1623617" y="5105400"/>
             <a:ext cx="3432689" cy="0"/>
           </a:xfrm>
           <a:prstGeom prst="straightConnector1">
@@ -4422,7 +4422,7 @@
         </p:nvSpPr>
         <p:spPr>
           <a:xfrm>
-            <a:off x="1676400" y="1860322"/>
+            <a:off x="1653252" y="1631722"/>
             <a:ext cx="1461216" cy="215444"/>
           </a:xfrm>
           <a:prstGeom prst="rect">
@@ -4462,7 +4462,7 @@
         </p:nvSpPr>
         <p:spPr>
           <a:xfrm>
-            <a:off x="1512445" y="5055667"/>
+            <a:off x="1489297" y="4827067"/>
             <a:ext cx="621216" cy="215444"/>
           </a:xfrm>
           <a:prstGeom prst="rect">
@@ -4502,7 +4502,7 @@
         </p:nvSpPr>
         <p:spPr>
           <a:xfrm>
-            <a:off x="152400" y="5314556"/>
+            <a:off x="129252" y="5085956"/>
             <a:ext cx="762000" cy="215444"/>
           </a:xfrm>
           <a:prstGeom prst="rect">
@@ -4542,7 +4542,7 @@
         </p:nvSpPr>
         <p:spPr>
           <a:xfrm>
-            <a:off x="5442069" y="4479794"/>
+            <a:off x="5418921" y="4251194"/>
             <a:ext cx="1590354" cy="461538"/>
           </a:xfrm>
           <a:prstGeom prst="rect">
@@ -4609,7 +4609,7 @@
         </p:nvSpPr>
         <p:spPr>
           <a:xfrm>
-            <a:off x="6123101" y="4942756"/>
+            <a:off x="6099953" y="4714156"/>
             <a:ext cx="152400" cy="171376"/>
           </a:xfrm>
           <a:prstGeom prst="rect">
@@ -4658,7 +4658,7 @@
         </p:nvCxnSpPr>
         <p:spPr>
           <a:xfrm>
-            <a:off x="5253803" y="5114132"/>
+            <a:off x="5230655" y="4885532"/>
             <a:ext cx="1009267" cy="0"/>
           </a:xfrm>
           <a:prstGeom prst="straightConnector1">
@@ -4696,7 +4696,7 @@
         </p:nvSpPr>
         <p:spPr>
           <a:xfrm>
-            <a:off x="1720015" y="3037386"/>
+            <a:off x="1696867" y="2808786"/>
             <a:ext cx="220343" cy="215444"/>
           </a:xfrm>
           <a:prstGeom prst="rect">
@@ -4736,7 +4736,7 @@
         </p:nvSpPr>
         <p:spPr>
           <a:xfrm>
-            <a:off x="4231981" y="1939239"/>
+            <a:off x="4208833" y="1710639"/>
             <a:ext cx="1778201" cy="432035"/>
           </a:xfrm>
           <a:prstGeom prst="rect">
@@ -4777,18 +4777,18 @@
                   <a:schemeClr val="bg1"/>
                 </a:solidFill>
               </a:rPr>
-              <a:t>b:Birthdays</a:t>
+              <a:t>:Birthdays</a:t>
             </a:r>
           </a:p>
           <a:p>
             <a:pPr algn="ctr"/>
             <a:r>
-              <a:rPr lang="en-US" sz="1600" dirty="0">
+              <a:rPr lang="en-US" sz="1600" dirty="0" err="1">
                 <a:solidFill>
                   <a:schemeClr val="bg1"/>
                 </a:solidFill>
               </a:rPr>
-              <a:t>Command</a:t>
+              <a:t>CommandParser</a:t>
             </a:r>
             <a:endParaRPr lang="en-SG" sz="1600" dirty="0">
               <a:solidFill>
@@ -4806,7 +4806,7 @@
         </p:nvSpPr>
         <p:spPr>
           <a:xfrm>
-            <a:off x="5059947" y="2362200"/>
+            <a:off x="5036799" y="2133600"/>
             <a:ext cx="205843" cy="123165"/>
           </a:xfrm>
           <a:prstGeom prst="rect">
@@ -4856,7 +4856,7 @@
         </p:nvCxnSpPr>
         <p:spPr>
           <a:xfrm flipH="1">
-            <a:off x="5162868" y="2362200"/>
+            <a:off x="5139720" y="2133600"/>
             <a:ext cx="1" cy="3505200"/>
           </a:xfrm>
           <a:prstGeom prst="line">
@@ -4895,7 +4895,7 @@
         </p:nvCxnSpPr>
         <p:spPr>
           <a:xfrm>
-            <a:off x="5265790" y="4038602"/>
+            <a:off x="5242642" y="3810002"/>
             <a:ext cx="1600430" cy="3650"/>
           </a:xfrm>
           <a:prstGeom prst="straightConnector1">
@@ -4929,7 +4929,7 @@
         </p:nvCxnSpPr>
         <p:spPr>
           <a:xfrm>
-            <a:off x="3412425" y="2182404"/>
+            <a:off x="3389277" y="1953804"/>
             <a:ext cx="819556" cy="1"/>
           </a:xfrm>
           <a:prstGeom prst="straightConnector1">
@@ -4965,7 +4965,7 @@
         </p:nvCxnSpPr>
         <p:spPr>
           <a:xfrm>
-            <a:off x="3459519" y="2485365"/>
+            <a:off x="3436371" y="2256765"/>
             <a:ext cx="1600428" cy="0"/>
           </a:xfrm>
           <a:prstGeom prst="straightConnector1">
@@ -5009,7 +5009,7 @@
         </p:nvSpPr>
         <p:spPr>
           <a:xfrm>
-            <a:off x="5134291" y="3274431"/>
+            <a:off x="5111143" y="3045831"/>
             <a:ext cx="1062436" cy="215444"/>
           </a:xfrm>
           <a:prstGeom prst="rect">
@@ -5059,7 +5059,7 @@
         </p:nvSpPr>
         <p:spPr>
           <a:xfrm>
-            <a:off x="6869682" y="4031123"/>
+            <a:off x="6846534" y="3802523"/>
             <a:ext cx="181198" cy="319742"/>
           </a:xfrm>
           <a:prstGeom prst="rect">
@@ -5124,7 +5124,7 @@
         </p:nvCxnSpPr>
         <p:spPr>
           <a:xfrm>
-            <a:off x="5235418" y="4343400"/>
+            <a:off x="5212270" y="4114800"/>
             <a:ext cx="1706083" cy="11115"/>
           </a:xfrm>
           <a:prstGeom prst="straightConnector1">
@@ -5171,7 +5171,7 @@
         </p:nvSpPr>
         <p:spPr>
           <a:xfrm>
-            <a:off x="6308243" y="3841411"/>
+            <a:off x="6285095" y="3612811"/>
             <a:ext cx="466464" cy="215444"/>
           </a:xfrm>
           <a:prstGeom prst="rect">
@@ -5217,7 +5217,7 @@
         </p:nvSpPr>
         <p:spPr>
           <a:xfrm>
-            <a:off x="7800153" y="2990743"/>
+            <a:off x="7777005" y="2762143"/>
             <a:ext cx="1002176" cy="362704"/>
           </a:xfrm>
           <a:prstGeom prst="rect">
@@ -5298,7 +5298,7 @@
         </p:nvCxnSpPr>
         <p:spPr>
           <a:xfrm>
-            <a:off x="8301241" y="3353447"/>
+            <a:off x="8278093" y="3124847"/>
             <a:ext cx="11382" cy="2513953"/>
           </a:xfrm>
           <a:prstGeom prst="line">
@@ -5347,7 +5347,7 @@
         </p:nvCxnSpPr>
         <p:spPr>
           <a:xfrm flipH="1" flipV="1">
-            <a:off x="6960281" y="4031123"/>
+            <a:off x="6937133" y="3802523"/>
             <a:ext cx="1340962" cy="6366"/>
           </a:xfrm>
           <a:prstGeom prst="straightConnector1">
@@ -5396,7 +5396,7 @@
         </p:nvCxnSpPr>
         <p:spPr>
           <a:xfrm>
-            <a:off x="7032423" y="4259353"/>
+            <a:off x="7009275" y="4030753"/>
             <a:ext cx="1250361" cy="1"/>
           </a:xfrm>
           <a:prstGeom prst="straightConnector1">
@@ -5446,7 +5446,7 @@
         </p:nvCxnSpPr>
         <p:spPr>
           <a:xfrm>
-            <a:off x="5251847" y="4710563"/>
+            <a:off x="5228699" y="4481963"/>
             <a:ext cx="190222" cy="0"/>
           </a:xfrm>
           <a:prstGeom prst="straightConnector1">
@@ -5474,6 +5474,427 @@
           </a:fontRef>
         </p:style>
       </p:cxnSp>
+      <p:sp>
+        <p:nvSpPr>
+          <p:cNvPr id="47" name="Rectangle 62">
+            <a:extLst>
+              <a:ext uri="{FF2B5EF4-FFF2-40B4-BE49-F238E27FC236}">
+                <a16:creationId xmlns:a16="http://schemas.microsoft.com/office/drawing/2014/main" id="{CECCE9B8-463B-4D58-B897-7C35DAE6B44E}"/>
+              </a:ext>
+            </a:extLst>
+          </p:cNvPr>
+          <p:cNvSpPr/>
+          <p:nvPr/>
+        </p:nvSpPr>
+        <p:spPr>
+          <a:xfrm>
+            <a:off x="6178937" y="2171493"/>
+            <a:ext cx="1145244" cy="432035"/>
+          </a:xfrm>
+          <a:prstGeom prst="rect">
+            <a:avLst/>
+          </a:prstGeom>
+          <a:solidFill>
+            <a:srgbClr val="0070C0"/>
+          </a:solidFill>
+          <a:ln w="19050">
+            <a:solidFill>
+              <a:srgbClr val="0070C0"/>
+            </a:solidFill>
+          </a:ln>
+          <a:effectLst/>
+        </p:spPr>
+        <p:style>
+          <a:lnRef idx="1">
+            <a:schemeClr val="accent2"/>
+          </a:lnRef>
+          <a:fillRef idx="2">
+            <a:schemeClr val="accent2"/>
+          </a:fillRef>
+          <a:effectRef idx="1">
+            <a:schemeClr val="accent2"/>
+          </a:effectRef>
+          <a:fontRef idx="minor">
+            <a:schemeClr val="dk1"/>
+          </a:fontRef>
+        </p:style>
+        <p:txBody>
+          <a:bodyPr rtlCol="0" anchor="ctr"/>
+          <a:lstStyle/>
+          <a:p>
+            <a:pPr algn="ctr"/>
+            <a:r>
+              <a:rPr lang="en-US" sz="1600" dirty="0">
+                <a:solidFill>
+                  <a:schemeClr val="bg1"/>
+                </a:solidFill>
+              </a:rPr>
+              <a:t>b:Birthdays</a:t>
+            </a:r>
+          </a:p>
+          <a:p>
+            <a:pPr algn="ctr"/>
+            <a:r>
+              <a:rPr lang="en-US" sz="1600" dirty="0">
+                <a:solidFill>
+                  <a:schemeClr val="bg1"/>
+                </a:solidFill>
+              </a:rPr>
+              <a:t>Command</a:t>
+            </a:r>
+            <a:endParaRPr lang="en-SG" sz="1600" dirty="0">
+              <a:solidFill>
+                <a:schemeClr val="bg1"/>
+              </a:solidFill>
+            </a:endParaRPr>
+          </a:p>
+        </p:txBody>
+      </p:sp>
+      <p:cxnSp>
+        <p:nvCxnSpPr>
+          <p:cNvPr id="49" name="Straight Arrow Connector 48">
+            <a:extLst>
+              <a:ext uri="{FF2B5EF4-FFF2-40B4-BE49-F238E27FC236}">
+                <a16:creationId xmlns:a16="http://schemas.microsoft.com/office/drawing/2014/main" id="{F9CDB4E9-23AD-4C1A-AFE4-ABA646B479DC}"/>
+              </a:ext>
+            </a:extLst>
+          </p:cNvPr>
+          <p:cNvCxnSpPr>
+            <a:cxnSpLocks/>
+          </p:cNvCxnSpPr>
+          <p:nvPr/>
+        </p:nvCxnSpPr>
+        <p:spPr>
+          <a:xfrm>
+            <a:off x="3423351" y="2411997"/>
+            <a:ext cx="2750228" cy="0"/>
+          </a:xfrm>
+          <a:prstGeom prst="straightConnector1">
+            <a:avLst/>
+          </a:prstGeom>
+          <a:ln w="19050">
+            <a:solidFill>
+              <a:srgbClr val="0070C0"/>
+            </a:solidFill>
+            <a:tailEnd type="arrow"/>
+          </a:ln>
+        </p:spPr>
+        <p:style>
+          <a:lnRef idx="1">
+            <a:schemeClr val="accent1"/>
+          </a:lnRef>
+          <a:fillRef idx="0">
+            <a:schemeClr val="accent1"/>
+          </a:fillRef>
+          <a:effectRef idx="0">
+            <a:schemeClr val="accent1"/>
+          </a:effectRef>
+          <a:fontRef idx="minor">
+            <a:schemeClr val="tx1"/>
+          </a:fontRef>
+        </p:style>
+      </p:cxnSp>
+      <p:sp>
+        <p:nvSpPr>
+          <p:cNvPr id="51" name="Rectangle 50">
+            <a:extLst>
+              <a:ext uri="{FF2B5EF4-FFF2-40B4-BE49-F238E27FC236}">
+                <a16:creationId xmlns:a16="http://schemas.microsoft.com/office/drawing/2014/main" id="{DBF8836B-6717-4661-A2E1-C5B2246E1B45}"/>
+              </a:ext>
+            </a:extLst>
+          </p:cNvPr>
+          <p:cNvSpPr/>
+          <p:nvPr/>
+        </p:nvSpPr>
+        <p:spPr>
+          <a:xfrm>
+            <a:off x="6654071" y="2602758"/>
+            <a:ext cx="178021" cy="367003"/>
+          </a:xfrm>
+          <a:prstGeom prst="rect">
+            <a:avLst/>
+          </a:prstGeom>
+          <a:solidFill>
+            <a:srgbClr val="0070C0"/>
+          </a:solidFill>
+          <a:ln>
+            <a:solidFill>
+              <a:srgbClr val="0070C0"/>
+            </a:solidFill>
+          </a:ln>
+          <a:effectLst/>
+        </p:spPr>
+        <p:style>
+          <a:lnRef idx="1">
+            <a:schemeClr val="accent3"/>
+          </a:lnRef>
+          <a:fillRef idx="2">
+            <a:schemeClr val="accent3"/>
+          </a:fillRef>
+          <a:effectRef idx="1">
+            <a:schemeClr val="accent3"/>
+          </a:effectRef>
+          <a:fontRef idx="minor">
+            <a:schemeClr val="dk1"/>
+          </a:fontRef>
+        </p:style>
+        <p:txBody>
+          <a:bodyPr rtlCol="0" anchor="ctr"/>
+          <a:lstStyle/>
+          <a:p>
+            <a:pPr algn="ctr"/>
+            <a:endParaRPr lang="en-SG" sz="1400">
+              <a:solidFill>
+                <a:schemeClr val="dk1"/>
+              </a:solidFill>
+            </a:endParaRPr>
+          </a:p>
+        </p:txBody>
+      </p:sp>
+      <p:cxnSp>
+        <p:nvCxnSpPr>
+          <p:cNvPr id="53" name="Straight Connector 52">
+            <a:extLst>
+              <a:ext uri="{FF2B5EF4-FFF2-40B4-BE49-F238E27FC236}">
+                <a16:creationId xmlns:a16="http://schemas.microsoft.com/office/drawing/2014/main" id="{4644B628-D468-4C13-B236-177AB766FF10}"/>
+              </a:ext>
+            </a:extLst>
+          </p:cNvPr>
+          <p:cNvCxnSpPr>
+            <a:cxnSpLocks/>
+          </p:cNvCxnSpPr>
+          <p:nvPr/>
+        </p:nvCxnSpPr>
+        <p:spPr>
+          <a:xfrm>
+            <a:off x="6743697" y="2590798"/>
+            <a:ext cx="15034" cy="2514602"/>
+          </a:xfrm>
+          <a:prstGeom prst="line">
+            <a:avLst/>
+          </a:prstGeom>
+          <a:ln w="19050">
+            <a:solidFill>
+              <a:srgbClr val="0070C0"/>
+            </a:solidFill>
+            <a:prstDash val="sysDash"/>
+          </a:ln>
+          <a:effectLst/>
+        </p:spPr>
+        <p:style>
+          <a:lnRef idx="1">
+            <a:schemeClr val="accent1"/>
+          </a:lnRef>
+          <a:fillRef idx="2">
+            <a:schemeClr val="accent1"/>
+          </a:fillRef>
+          <a:effectRef idx="1">
+            <a:schemeClr val="accent1"/>
+          </a:effectRef>
+          <a:fontRef idx="minor">
+            <a:schemeClr val="dk1"/>
+          </a:fontRef>
+        </p:style>
+      </p:cxnSp>
+      <p:sp>
+        <p:nvSpPr>
+          <p:cNvPr id="57" name="TextBox 56">
+            <a:extLst>
+              <a:ext uri="{FF2B5EF4-FFF2-40B4-BE49-F238E27FC236}">
+                <a16:creationId xmlns:a16="http://schemas.microsoft.com/office/drawing/2014/main" id="{DB5B0823-7E1A-46CF-9D00-690D71FD1968}"/>
+              </a:ext>
+            </a:extLst>
+          </p:cNvPr>
+          <p:cNvSpPr txBox="1"/>
+          <p:nvPr/>
+        </p:nvSpPr>
+        <p:spPr>
+          <a:xfrm>
+            <a:off x="5806502" y="141335"/>
+            <a:ext cx="1424846" cy="215444"/>
+          </a:xfrm>
+          <a:prstGeom prst="rect">
+            <a:avLst/>
+          </a:prstGeom>
+          <a:noFill/>
+        </p:spPr>
+        <p:txBody>
+          <a:bodyPr wrap="square" lIns="0" tIns="0" rIns="0" bIns="0" rtlCol="0">
+            <a:spAutoFit/>
+          </a:bodyPr>
+          <a:lstStyle>
+            <a:defPPr>
+              <a:defRPr lang="en-US"/>
+            </a:defPPr>
+            <a:lvl1pPr algn="r">
+              <a:defRPr sz="1400">
+                <a:solidFill>
+                  <a:srgbClr val="0070C0"/>
+                </a:solidFill>
+              </a:defRPr>
+            </a:lvl1pPr>
+          </a:lstStyle>
+          <a:p>
+            <a:r>
+              <a:rPr lang="en-US" dirty="0" err="1"/>
+              <a:t>removeAll</a:t>
+            </a:r>
+            <a:r>
+              <a:rPr lang="en-US" dirty="0"/>
+              <a:t>()</a:t>
+            </a:r>
+          </a:p>
+        </p:txBody>
+      </p:sp>
+      <p:cxnSp>
+        <p:nvCxnSpPr>
+          <p:cNvPr id="59" name="Connector: Elbow 58">
+            <a:extLst>
+              <a:ext uri="{FF2B5EF4-FFF2-40B4-BE49-F238E27FC236}">
+                <a16:creationId xmlns:a16="http://schemas.microsoft.com/office/drawing/2014/main" id="{6FBB3736-2DB0-4734-B26B-8932B35CFC2D}"/>
+              </a:ext>
+            </a:extLst>
+          </p:cNvPr>
+          <p:cNvCxnSpPr>
+            <a:cxnSpLocks/>
+          </p:cNvCxnSpPr>
+          <p:nvPr/>
+        </p:nvCxnSpPr>
+        <p:spPr>
+          <a:xfrm rot="16200000" flipH="1">
+            <a:off x="6702083" y="2548007"/>
+            <a:ext cx="215223" cy="191148"/>
+          </a:xfrm>
+          <a:prstGeom prst="bentConnector3">
+            <a:avLst>
+              <a:gd name="adj1" fmla="val 33193"/>
+            </a:avLst>
+          </a:prstGeom>
+          <a:ln>
+            <a:solidFill>
+              <a:srgbClr val="0070C0"/>
+            </a:solidFill>
+            <a:tailEnd type="triangle"/>
+          </a:ln>
+        </p:spPr>
+        <p:style>
+          <a:lnRef idx="1">
+            <a:schemeClr val="accent1"/>
+          </a:lnRef>
+          <a:fillRef idx="0">
+            <a:schemeClr val="accent1"/>
+          </a:fillRef>
+          <a:effectRef idx="0">
+            <a:schemeClr val="accent1"/>
+          </a:effectRef>
+          <a:fontRef idx="minor">
+            <a:schemeClr val="tx1"/>
+          </a:fontRef>
+        </p:style>
+      </p:cxnSp>
+      <p:cxnSp>
+        <p:nvCxnSpPr>
+          <p:cNvPr id="60" name="Connector: Elbow 59">
+            <a:extLst>
+              <a:ext uri="{FF2B5EF4-FFF2-40B4-BE49-F238E27FC236}">
+                <a16:creationId xmlns:a16="http://schemas.microsoft.com/office/drawing/2014/main" id="{7AD1411E-2B00-483F-BF64-47E83DC60F98}"/>
+              </a:ext>
+            </a:extLst>
+          </p:cNvPr>
+          <p:cNvCxnSpPr>
+            <a:cxnSpLocks/>
+          </p:cNvCxnSpPr>
+          <p:nvPr/>
+        </p:nvCxnSpPr>
+        <p:spPr>
+          <a:xfrm rot="5400000">
+            <a:off x="6818420" y="2829563"/>
+            <a:ext cx="131167" cy="91054"/>
+          </a:xfrm>
+          <a:prstGeom prst="bentConnector3">
+            <a:avLst>
+              <a:gd name="adj1" fmla="val 106677"/>
+            </a:avLst>
+          </a:prstGeom>
+          <a:ln>
+            <a:solidFill>
+              <a:srgbClr val="0070C0"/>
+            </a:solidFill>
+            <a:tailEnd type="triangle"/>
+          </a:ln>
+        </p:spPr>
+        <p:style>
+          <a:lnRef idx="1">
+            <a:schemeClr val="accent1"/>
+          </a:lnRef>
+          <a:fillRef idx="0">
+            <a:schemeClr val="accent1"/>
+          </a:fillRef>
+          <a:effectRef idx="0">
+            <a:schemeClr val="accent1"/>
+          </a:effectRef>
+          <a:fontRef idx="minor">
+            <a:schemeClr val="tx1"/>
+          </a:fontRef>
+        </p:style>
+      </p:cxnSp>
+      <p:sp>
+        <p:nvSpPr>
+          <p:cNvPr id="61" name="Rectangle 60">
+            <a:extLst>
+              <a:ext uri="{FF2B5EF4-FFF2-40B4-BE49-F238E27FC236}">
+                <a16:creationId xmlns:a16="http://schemas.microsoft.com/office/drawing/2014/main" id="{55709AB4-FF0F-443D-B57B-9C5B1C8DA63F}"/>
+              </a:ext>
+            </a:extLst>
+          </p:cNvPr>
+          <p:cNvSpPr/>
+          <p:nvPr/>
+        </p:nvSpPr>
+        <p:spPr>
+          <a:xfrm>
+            <a:off x="6755379" y="2691538"/>
+            <a:ext cx="171466" cy="196674"/>
+          </a:xfrm>
+          <a:prstGeom prst="rect">
+            <a:avLst/>
+          </a:prstGeom>
+          <a:solidFill>
+            <a:srgbClr val="0070C0"/>
+          </a:solidFill>
+          <a:ln>
+            <a:solidFill>
+              <a:srgbClr val="0070C0"/>
+            </a:solidFill>
+          </a:ln>
+          <a:effectLst/>
+        </p:spPr>
+        <p:style>
+          <a:lnRef idx="1">
+            <a:schemeClr val="accent3"/>
+          </a:lnRef>
+          <a:fillRef idx="2">
+            <a:schemeClr val="accent3"/>
+          </a:fillRef>
+          <a:effectRef idx="1">
+            <a:schemeClr val="accent3"/>
+          </a:effectRef>
+          <a:fontRef idx="minor">
+            <a:schemeClr val="dk1"/>
+          </a:fontRef>
+        </p:style>
+        <p:txBody>
+          <a:bodyPr rtlCol="0" anchor="ctr"/>
+          <a:lstStyle/>
+          <a:p>
+            <a:pPr algn="ctr"/>
+            <a:endParaRPr lang="en-SG" sz="1400">
+              <a:solidFill>
+                <a:schemeClr val="dk1"/>
+              </a:solidFill>
+            </a:endParaRPr>
+          </a:p>
+        </p:txBody>
+      </p:sp>
     </p:spTree>
     <p:extLst>
       <p:ext uri="{BB962C8B-B14F-4D97-AF65-F5344CB8AC3E}">

--- a/docs/diagrams/LogicComponentBirthdaysSequenceDiagram.pptx
+++ b/docs/diagrams/LogicComponentBirthdaysSequenceDiagram.pptx
@@ -208,7 +208,7 @@
           <a:p>
             <a:fld id="{F5CC4B3F-88C1-4FFA-B1B6-F41C21DC6924}" type="datetimeFigureOut">
               <a:rPr lang="en-US" smtClean="0"/>
-              <a:t>3/27/2018</a:t>
+              <a:t>3/28/2018</a:t>
             </a:fld>
             <a:endParaRPr lang="en-US"/>
           </a:p>
@@ -654,7 +654,7 @@
           <a:p>
             <a:fld id="{78C97017-6FC3-485B-9764-EAC9E56C1D49}" type="datetimeFigureOut">
               <a:rPr lang="en-US" smtClean="0"/>
-              <a:t>3/27/2018</a:t>
+              <a:t>3/28/2018</a:t>
             </a:fld>
             <a:endParaRPr lang="en-US"/>
           </a:p>
@@ -822,7 +822,7 @@
           <a:p>
             <a:fld id="{78C97017-6FC3-485B-9764-EAC9E56C1D49}" type="datetimeFigureOut">
               <a:rPr lang="en-US" smtClean="0"/>
-              <a:t>3/27/2018</a:t>
+              <a:t>3/28/2018</a:t>
             </a:fld>
             <a:endParaRPr lang="en-US"/>
           </a:p>
@@ -1000,7 +1000,7 @@
           <a:p>
             <a:fld id="{78C97017-6FC3-485B-9764-EAC9E56C1D49}" type="datetimeFigureOut">
               <a:rPr lang="en-US" smtClean="0"/>
-              <a:t>3/27/2018</a:t>
+              <a:t>3/28/2018</a:t>
             </a:fld>
             <a:endParaRPr lang="en-US"/>
           </a:p>
@@ -1168,7 +1168,7 @@
           <a:p>
             <a:fld id="{78C97017-6FC3-485B-9764-EAC9E56C1D49}" type="datetimeFigureOut">
               <a:rPr lang="en-US" smtClean="0"/>
-              <a:t>3/27/2018</a:t>
+              <a:t>3/28/2018</a:t>
             </a:fld>
             <a:endParaRPr lang="en-US"/>
           </a:p>
@@ -1413,7 +1413,7 @@
           <a:p>
             <a:fld id="{78C97017-6FC3-485B-9764-EAC9E56C1D49}" type="datetimeFigureOut">
               <a:rPr lang="en-US" smtClean="0"/>
-              <a:t>3/27/2018</a:t>
+              <a:t>3/28/2018</a:t>
             </a:fld>
             <a:endParaRPr lang="en-US"/>
           </a:p>
@@ -1698,7 +1698,7 @@
           <a:p>
             <a:fld id="{78C97017-6FC3-485B-9764-EAC9E56C1D49}" type="datetimeFigureOut">
               <a:rPr lang="en-US" smtClean="0"/>
-              <a:t>3/27/2018</a:t>
+              <a:t>3/28/2018</a:t>
             </a:fld>
             <a:endParaRPr lang="en-US"/>
           </a:p>
@@ -2117,7 +2117,7 @@
           <a:p>
             <a:fld id="{78C97017-6FC3-485B-9764-EAC9E56C1D49}" type="datetimeFigureOut">
               <a:rPr lang="en-US" smtClean="0"/>
-              <a:t>3/27/2018</a:t>
+              <a:t>3/28/2018</a:t>
             </a:fld>
             <a:endParaRPr lang="en-US"/>
           </a:p>
@@ -2234,7 +2234,7 @@
           <a:p>
             <a:fld id="{78C97017-6FC3-485B-9764-EAC9E56C1D49}" type="datetimeFigureOut">
               <a:rPr lang="en-US" smtClean="0"/>
-              <a:t>3/27/2018</a:t>
+              <a:t>3/28/2018</a:t>
             </a:fld>
             <a:endParaRPr lang="en-US"/>
           </a:p>
@@ -2329,7 +2329,7 @@
           <a:p>
             <a:fld id="{78C97017-6FC3-485B-9764-EAC9E56C1D49}" type="datetimeFigureOut">
               <a:rPr lang="en-US" smtClean="0"/>
-              <a:t>3/27/2018</a:t>
+              <a:t>3/28/2018</a:t>
             </a:fld>
             <a:endParaRPr lang="en-US"/>
           </a:p>
@@ -2604,7 +2604,7 @@
           <a:p>
             <a:fld id="{78C97017-6FC3-485B-9764-EAC9E56C1D49}" type="datetimeFigureOut">
               <a:rPr lang="en-US" smtClean="0"/>
-              <a:t>3/27/2018</a:t>
+              <a:t>3/28/2018</a:t>
             </a:fld>
             <a:endParaRPr lang="en-US"/>
           </a:p>
@@ -2856,7 +2856,7 @@
           <a:p>
             <a:fld id="{78C97017-6FC3-485B-9764-EAC9E56C1D49}" type="datetimeFigureOut">
               <a:rPr lang="en-US" smtClean="0"/>
-              <a:t>3/27/2018</a:t>
+              <a:t>3/28/2018</a:t>
             </a:fld>
             <a:endParaRPr lang="en-US"/>
           </a:p>
@@ -3067,7 +3067,7 @@
           <a:p>
             <a:fld id="{78C97017-6FC3-485B-9764-EAC9E56C1D49}" type="datetimeFigureOut">
               <a:rPr lang="en-US" smtClean="0"/>
-              <a:t>3/27/2018</a:t>
+              <a:t>3/28/2018</a:t>
             </a:fld>
             <a:endParaRPr lang="en-US"/>
           </a:p>
@@ -3444,606 +3444,20 @@
       </p:grpSpPr>
       <p:sp>
         <p:nvSpPr>
-          <p:cNvPr id="81" name="Rectangle 65"/>
+          <p:cNvPr id="63" name="Rectangle 62">
+            <a:extLst>
+              <a:ext uri="{FF2B5EF4-FFF2-40B4-BE49-F238E27FC236}">
+                <a16:creationId xmlns:a16="http://schemas.microsoft.com/office/drawing/2014/main" id="{2FC12664-73B2-43BC-A95F-5C5658398C0B}"/>
+              </a:ext>
+            </a:extLst>
+          </p:cNvPr>
           <p:cNvSpPr/>
           <p:nvPr/>
         </p:nvSpPr>
         <p:spPr>
           <a:xfrm>
-            <a:off x="662652" y="762000"/>
-            <a:ext cx="7073132" cy="4716774"/>
-          </a:xfrm>
-          <a:prstGeom prst="roundRect">
-            <a:avLst>
-              <a:gd name="adj" fmla="val 3484"/>
-            </a:avLst>
-          </a:prstGeom>
-          <a:solidFill>
-            <a:schemeClr val="accent1">
-              <a:lumMod val="20000"/>
-              <a:lumOff val="80000"/>
-            </a:schemeClr>
-          </a:solidFill>
-          <a:ln w="19050">
-            <a:noFill/>
-          </a:ln>
-          <a:effectLst/>
-        </p:spPr>
-        <p:style>
-          <a:lnRef idx="1">
-            <a:schemeClr val="accent2"/>
-          </a:lnRef>
-          <a:fillRef idx="2">
-            <a:schemeClr val="accent2"/>
-          </a:fillRef>
-          <a:effectRef idx="1">
-            <a:schemeClr val="accent2"/>
-          </a:effectRef>
-          <a:fontRef idx="minor">
-            <a:schemeClr val="dk1"/>
-          </a:fontRef>
-        </p:style>
-        <p:txBody>
-          <a:bodyPr rtlCol="0" anchor="t"/>
-          <a:lstStyle/>
-          <a:p>
-            <a:r>
-              <a:rPr lang="en-US" sz="1200" b="1" dirty="0">
-                <a:solidFill>
-                  <a:srgbClr val="0070C0"/>
-                </a:solidFill>
-              </a:rPr>
-              <a:t>Logic</a:t>
-            </a:r>
-            <a:endParaRPr lang="en-SG" sz="1200" b="1" dirty="0">
-              <a:solidFill>
-                <a:srgbClr val="0070C0"/>
-              </a:solidFill>
-            </a:endParaRPr>
-          </a:p>
-        </p:txBody>
-      </p:sp>
-      <p:sp>
-        <p:nvSpPr>
-          <p:cNvPr id="2" name="Rectangle 62"/>
-          <p:cNvSpPr/>
-          <p:nvPr/>
-        </p:nvSpPr>
-        <p:spPr>
-          <a:xfrm>
-            <a:off x="821897" y="1077346"/>
-            <a:ext cx="1455629" cy="346760"/>
-          </a:xfrm>
-          <a:prstGeom prst="rect">
-            <a:avLst/>
-          </a:prstGeom>
-          <a:solidFill>
-            <a:srgbClr val="0070C0"/>
-          </a:solidFill>
-          <a:ln w="19050">
-            <a:solidFill>
-              <a:srgbClr val="0070C0"/>
-            </a:solidFill>
-          </a:ln>
-          <a:effectLst/>
-        </p:spPr>
-        <p:style>
-          <a:lnRef idx="1">
-            <a:schemeClr val="accent2"/>
-          </a:lnRef>
-          <a:fillRef idx="2">
-            <a:schemeClr val="accent2"/>
-          </a:fillRef>
-          <a:effectRef idx="1">
-            <a:schemeClr val="accent2"/>
-          </a:effectRef>
-          <a:fontRef idx="minor">
-            <a:schemeClr val="dk1"/>
-          </a:fontRef>
-        </p:style>
-        <p:txBody>
-          <a:bodyPr rtlCol="0" anchor="ctr"/>
-          <a:lstStyle/>
-          <a:p>
-            <a:pPr algn="ctr"/>
-            <a:r>
-              <a:rPr lang="en-US" sz="1600" dirty="0">
-                <a:solidFill>
-                  <a:schemeClr val="bg1"/>
-                </a:solidFill>
-              </a:rPr>
-              <a:t>:</a:t>
-            </a:r>
-            <a:r>
-              <a:rPr lang="en-US" sz="1600" dirty="0" err="1">
-                <a:solidFill>
-                  <a:schemeClr val="bg1"/>
-                </a:solidFill>
-              </a:rPr>
-              <a:t>LogicManager</a:t>
-            </a:r>
-            <a:endParaRPr lang="en-SG" sz="1600" dirty="0">
-              <a:solidFill>
-                <a:schemeClr val="bg1"/>
-              </a:solidFill>
-            </a:endParaRPr>
-          </a:p>
-        </p:txBody>
-      </p:sp>
-      <p:cxnSp>
-        <p:nvCxnSpPr>
-          <p:cNvPr id="5" name="Straight Connector 4"/>
-          <p:cNvCxnSpPr/>
-          <p:nvPr/>
-        </p:nvCxnSpPr>
-        <p:spPr>
-          <a:xfrm>
-            <a:off x="1549711" y="1441017"/>
-            <a:ext cx="0" cy="2597583"/>
-          </a:xfrm>
-          <a:prstGeom prst="line">
-            <a:avLst/>
-          </a:prstGeom>
-          <a:ln w="19050">
-            <a:solidFill>
-              <a:srgbClr val="0070C0"/>
-            </a:solidFill>
-            <a:prstDash val="sysDash"/>
-          </a:ln>
-          <a:effectLst/>
-        </p:spPr>
-        <p:style>
-          <a:lnRef idx="1">
-            <a:schemeClr val="accent1"/>
-          </a:lnRef>
-          <a:fillRef idx="2">
-            <a:schemeClr val="accent1"/>
-          </a:fillRef>
-          <a:effectRef idx="1">
-            <a:schemeClr val="accent1"/>
-          </a:effectRef>
-          <a:fontRef idx="minor">
-            <a:schemeClr val="dk1"/>
-          </a:fontRef>
-        </p:style>
-      </p:cxnSp>
-      <p:sp>
-        <p:nvSpPr>
-          <p:cNvPr id="6" name="Rectangle 5"/>
-          <p:cNvSpPr/>
-          <p:nvPr/>
-        </p:nvSpPr>
-        <p:spPr>
-          <a:xfrm>
-            <a:off x="1477703" y="1791711"/>
-            <a:ext cx="148918" cy="3536910"/>
-          </a:xfrm>
-          <a:prstGeom prst="rect">
-            <a:avLst/>
-          </a:prstGeom>
-          <a:solidFill>
-            <a:srgbClr val="0070C0"/>
-          </a:solidFill>
-          <a:ln>
-            <a:solidFill>
-              <a:srgbClr val="0070C0"/>
-            </a:solidFill>
-          </a:ln>
-          <a:effectLst/>
-        </p:spPr>
-        <p:style>
-          <a:lnRef idx="1">
-            <a:schemeClr val="accent3"/>
-          </a:lnRef>
-          <a:fillRef idx="2">
-            <a:schemeClr val="accent3"/>
-          </a:fillRef>
-          <a:effectRef idx="1">
-            <a:schemeClr val="accent3"/>
-          </a:effectRef>
-          <a:fontRef idx="minor">
-            <a:schemeClr val="dk1"/>
-          </a:fontRef>
-        </p:style>
-        <p:txBody>
-          <a:bodyPr rtlCol="0" anchor="ctr"/>
-          <a:lstStyle/>
-          <a:p>
-            <a:pPr algn="ctr"/>
-            <a:endParaRPr lang="en-SG" sz="1400"/>
-          </a:p>
-        </p:txBody>
-      </p:sp>
-      <p:sp>
-        <p:nvSpPr>
-          <p:cNvPr id="16" name="Rectangle 62"/>
-          <p:cNvSpPr/>
-          <p:nvPr/>
-        </p:nvSpPr>
-        <p:spPr>
-          <a:xfrm>
-            <a:off x="2720052" y="960109"/>
-            <a:ext cx="1219200" cy="467684"/>
-          </a:xfrm>
-          <a:prstGeom prst="rect">
-            <a:avLst/>
-          </a:prstGeom>
-          <a:solidFill>
-            <a:srgbClr val="0070C0"/>
-          </a:solidFill>
-          <a:ln w="19050">
-            <a:solidFill>
-              <a:srgbClr val="0070C0"/>
-            </a:solidFill>
-          </a:ln>
-          <a:effectLst/>
-        </p:spPr>
-        <p:style>
-          <a:lnRef idx="1">
-            <a:schemeClr val="accent2"/>
-          </a:lnRef>
-          <a:fillRef idx="2">
-            <a:schemeClr val="accent2"/>
-          </a:fillRef>
-          <a:effectRef idx="1">
-            <a:schemeClr val="accent2"/>
-          </a:effectRef>
-          <a:fontRef idx="minor">
-            <a:schemeClr val="dk1"/>
-          </a:fontRef>
-        </p:style>
-        <p:txBody>
-          <a:bodyPr rtlCol="0" anchor="ctr"/>
-          <a:lstStyle/>
-          <a:p>
-            <a:pPr algn="ctr"/>
-            <a:r>
-              <a:rPr lang="en-US" sz="1600" dirty="0">
-                <a:solidFill>
-                  <a:schemeClr val="bg1"/>
-                </a:solidFill>
-              </a:rPr>
-              <a:t>:Address</a:t>
-            </a:r>
-          </a:p>
-          <a:p>
-            <a:pPr algn="ctr"/>
-            <a:r>
-              <a:rPr lang="en-US" sz="1600" dirty="0" err="1">
-                <a:solidFill>
-                  <a:schemeClr val="bg1"/>
-                </a:solidFill>
-              </a:rPr>
-              <a:t>BookParser</a:t>
-            </a:r>
-            <a:endParaRPr lang="en-SG" sz="1600" dirty="0">
-              <a:solidFill>
-                <a:schemeClr val="bg1"/>
-              </a:solidFill>
-            </a:endParaRPr>
-          </a:p>
-        </p:txBody>
-      </p:sp>
-      <p:cxnSp>
-        <p:nvCxnSpPr>
-          <p:cNvPr id="17" name="Straight Connector 16"/>
-          <p:cNvCxnSpPr/>
-          <p:nvPr/>
-        </p:nvCxnSpPr>
-        <p:spPr>
-          <a:xfrm>
-            <a:off x="3333451" y="1444704"/>
-            <a:ext cx="0" cy="1695374"/>
-          </a:xfrm>
-          <a:prstGeom prst="line">
-            <a:avLst/>
-          </a:prstGeom>
-          <a:ln w="19050">
-            <a:solidFill>
-              <a:srgbClr val="0070C0"/>
-            </a:solidFill>
-            <a:prstDash val="sysDash"/>
-          </a:ln>
-          <a:effectLst/>
-        </p:spPr>
-        <p:style>
-          <a:lnRef idx="1">
-            <a:schemeClr val="accent1"/>
-          </a:lnRef>
-          <a:fillRef idx="2">
-            <a:schemeClr val="accent1"/>
-          </a:fillRef>
-          <a:effectRef idx="1">
-            <a:schemeClr val="accent1"/>
-          </a:effectRef>
-          <a:fontRef idx="minor">
-            <a:schemeClr val="dk1"/>
-          </a:fontRef>
-        </p:style>
-      </p:cxnSp>
-      <p:sp>
-        <p:nvSpPr>
-          <p:cNvPr id="18" name="Rectangle 17"/>
-          <p:cNvSpPr/>
-          <p:nvPr/>
-        </p:nvSpPr>
-        <p:spPr>
-          <a:xfrm>
-            <a:off x="3261442" y="1902896"/>
-            <a:ext cx="174929" cy="1129459"/>
-          </a:xfrm>
-          <a:prstGeom prst="rect">
-            <a:avLst/>
-          </a:prstGeom>
-          <a:solidFill>
-            <a:srgbClr val="0070C0"/>
-          </a:solidFill>
-          <a:ln>
-            <a:solidFill>
-              <a:srgbClr val="0070C0"/>
-            </a:solidFill>
-          </a:ln>
-          <a:effectLst/>
-        </p:spPr>
-        <p:style>
-          <a:lnRef idx="1">
-            <a:schemeClr val="accent3"/>
-          </a:lnRef>
-          <a:fillRef idx="2">
-            <a:schemeClr val="accent3"/>
-          </a:fillRef>
-          <a:effectRef idx="1">
-            <a:schemeClr val="accent3"/>
-          </a:effectRef>
-          <a:fontRef idx="minor">
-            <a:schemeClr val="dk1"/>
-          </a:fontRef>
-        </p:style>
-        <p:txBody>
-          <a:bodyPr rtlCol="0" anchor="ctr"/>
-          <a:lstStyle/>
-          <a:p>
-            <a:pPr algn="ctr"/>
-            <a:endParaRPr lang="en-SG" sz="1400">
-              <a:solidFill>
-                <a:schemeClr val="dk1"/>
-              </a:solidFill>
-            </a:endParaRPr>
-          </a:p>
-        </p:txBody>
-      </p:sp>
-      <p:cxnSp>
-        <p:nvCxnSpPr>
-          <p:cNvPr id="23" name="Straight Arrow Connector 22"/>
-          <p:cNvCxnSpPr/>
-          <p:nvPr/>
-        </p:nvCxnSpPr>
-        <p:spPr>
-          <a:xfrm>
-            <a:off x="357852" y="1795399"/>
-            <a:ext cx="1119851" cy="0"/>
-          </a:xfrm>
-          <a:prstGeom prst="straightConnector1">
-            <a:avLst/>
-          </a:prstGeom>
-          <a:ln w="19050">
-            <a:solidFill>
-              <a:srgbClr val="00B050"/>
-            </a:solidFill>
-            <a:tailEnd type="arrow"/>
-          </a:ln>
-        </p:spPr>
-        <p:style>
-          <a:lnRef idx="1">
-            <a:schemeClr val="accent1"/>
-          </a:lnRef>
-          <a:fillRef idx="0">
-            <a:schemeClr val="accent1"/>
-          </a:fillRef>
-          <a:effectRef idx="0">
-            <a:schemeClr val="accent1"/>
-          </a:effectRef>
-          <a:fontRef idx="minor">
-            <a:schemeClr val="tx1"/>
-          </a:fontRef>
-        </p:style>
-      </p:cxnSp>
-      <p:cxnSp>
-        <p:nvCxnSpPr>
-          <p:cNvPr id="25" name="Straight Arrow Connector 24"/>
-          <p:cNvCxnSpPr/>
-          <p:nvPr/>
-        </p:nvCxnSpPr>
-        <p:spPr>
-          <a:xfrm flipV="1">
-            <a:off x="1630103" y="1902897"/>
-            <a:ext cx="1596514" cy="1"/>
-          </a:xfrm>
-          <a:prstGeom prst="straightConnector1">
-            <a:avLst/>
-          </a:prstGeom>
-          <a:ln w="19050">
-            <a:solidFill>
-              <a:srgbClr val="0070C0"/>
-            </a:solidFill>
-            <a:tailEnd type="arrow"/>
-          </a:ln>
-        </p:spPr>
-        <p:style>
-          <a:lnRef idx="1">
-            <a:schemeClr val="accent1"/>
-          </a:lnRef>
-          <a:fillRef idx="0">
-            <a:schemeClr val="accent1"/>
-          </a:fillRef>
-          <a:effectRef idx="0">
-            <a:schemeClr val="accent1"/>
-          </a:effectRef>
-          <a:fontRef idx="minor">
-            <a:schemeClr val="tx1"/>
-          </a:fontRef>
-        </p:style>
-      </p:cxnSp>
-      <p:sp>
-        <p:nvSpPr>
-          <p:cNvPr id="26" name="TextBox 25"/>
-          <p:cNvSpPr txBox="1"/>
-          <p:nvPr/>
-        </p:nvSpPr>
-        <p:spPr>
-          <a:xfrm>
-            <a:off x="-152400" y="1524000"/>
-            <a:ext cx="1653252" cy="215444"/>
-          </a:xfrm>
-          <a:prstGeom prst="rect">
-            <a:avLst/>
-          </a:prstGeom>
-          <a:noFill/>
-        </p:spPr>
-        <p:txBody>
-          <a:bodyPr wrap="square" lIns="0" tIns="0" rIns="0" bIns="0" rtlCol="0">
-            <a:spAutoFit/>
-          </a:bodyPr>
-          <a:lstStyle/>
-          <a:p>
-            <a:pPr algn="r"/>
-            <a:r>
-              <a:rPr lang="en-US" sz="1400" dirty="0">
-                <a:solidFill>
-                  <a:srgbClr val="0070C0"/>
-                </a:solidFill>
-              </a:rPr>
-              <a:t>execute(“birthdays”)</a:t>
-            </a:r>
-          </a:p>
-        </p:txBody>
-      </p:sp>
-      <p:sp>
-        <p:nvSpPr>
-          <p:cNvPr id="29" name="TextBox 28"/>
-          <p:cNvSpPr txBox="1"/>
-          <p:nvPr/>
-        </p:nvSpPr>
-        <p:spPr>
-          <a:xfrm>
-            <a:off x="4134973" y="3032356"/>
-            <a:ext cx="855809" cy="215444"/>
-          </a:xfrm>
-          <a:prstGeom prst="rect">
-            <a:avLst/>
-          </a:prstGeom>
-          <a:noFill/>
-        </p:spPr>
-        <p:txBody>
-          <a:bodyPr wrap="square" lIns="0" tIns="0" rIns="0" bIns="0" rtlCol="0">
-            <a:spAutoFit/>
-          </a:bodyPr>
-          <a:lstStyle>
-            <a:defPPr>
-              <a:defRPr lang="en-US"/>
-            </a:defPPr>
-            <a:lvl1pPr algn="r">
-              <a:defRPr sz="1400">
-                <a:solidFill>
-                  <a:srgbClr val="0070C0"/>
-                </a:solidFill>
-              </a:defRPr>
-            </a:lvl1pPr>
-          </a:lstStyle>
-          <a:p>
-            <a:r>
-              <a:rPr lang="en-US" dirty="0"/>
-              <a:t>execute()</a:t>
-            </a:r>
-          </a:p>
-        </p:txBody>
-      </p:sp>
-      <p:cxnSp>
-        <p:nvCxnSpPr>
-          <p:cNvPr id="35" name="Straight Arrow Connector 34"/>
-          <p:cNvCxnSpPr/>
-          <p:nvPr/>
-        </p:nvCxnSpPr>
-        <p:spPr>
-          <a:xfrm flipV="1">
-            <a:off x="1647038" y="3024031"/>
-            <a:ext cx="1596514" cy="5378"/>
-          </a:xfrm>
-          <a:prstGeom prst="straightConnector1">
-            <a:avLst/>
-          </a:prstGeom>
-          <a:ln w="19050">
-            <a:solidFill>
-              <a:srgbClr val="0070C0"/>
-            </a:solidFill>
-            <a:prstDash val="sysDash"/>
-            <a:headEnd type="arrow" w="med" len="med"/>
-            <a:tailEnd type="none" w="med" len="med"/>
-          </a:ln>
-        </p:spPr>
-        <p:style>
-          <a:lnRef idx="1">
-            <a:schemeClr val="accent1"/>
-          </a:lnRef>
-          <a:fillRef idx="0">
-            <a:schemeClr val="accent1"/>
-          </a:fillRef>
-          <a:effectRef idx="0">
-            <a:schemeClr val="accent1"/>
-          </a:effectRef>
-          <a:fontRef idx="minor">
-            <a:schemeClr val="tx1"/>
-          </a:fontRef>
-        </p:style>
-      </p:cxnSp>
-      <p:cxnSp>
-        <p:nvCxnSpPr>
-          <p:cNvPr id="37" name="Straight Arrow Connector 36"/>
-          <p:cNvCxnSpPr/>
-          <p:nvPr/>
-        </p:nvCxnSpPr>
-        <p:spPr>
-          <a:xfrm>
-            <a:off x="281652" y="5328621"/>
-            <a:ext cx="1196051" cy="0"/>
-          </a:xfrm>
-          <a:prstGeom prst="straightConnector1">
-            <a:avLst/>
-          </a:prstGeom>
-          <a:ln w="19050">
-            <a:solidFill>
-              <a:schemeClr val="accent1"/>
-            </a:solidFill>
-            <a:prstDash val="sysDash"/>
-            <a:headEnd type="arrow" w="med" len="med"/>
-            <a:tailEnd type="none" w="med" len="med"/>
-          </a:ln>
-        </p:spPr>
-        <p:style>
-          <a:lnRef idx="1">
-            <a:schemeClr val="accent1"/>
-          </a:lnRef>
-          <a:fillRef idx="0">
-            <a:schemeClr val="accent1"/>
-          </a:fillRef>
-          <a:effectRef idx="0">
-            <a:schemeClr val="accent1"/>
-          </a:effectRef>
-          <a:fontRef idx="minor">
-            <a:schemeClr val="tx1"/>
-          </a:fontRef>
-        </p:style>
-      </p:cxnSp>
-      <p:sp>
-        <p:nvSpPr>
-          <p:cNvPr id="39" name="Rectangle 62"/>
-          <p:cNvSpPr/>
-          <p:nvPr/>
-        </p:nvSpPr>
-        <p:spPr>
-          <a:xfrm>
-            <a:off x="6221930" y="3153553"/>
-            <a:ext cx="1366677" cy="303689"/>
+            <a:off x="8351187" y="1828800"/>
+            <a:ext cx="792813" cy="359433"/>
           </a:xfrm>
           <a:prstGeom prst="rect">
             <a:avLst/>
@@ -4089,6 +3503,126 @@
                   <a:schemeClr val="bg1"/>
                 </a:solidFill>
               </a:rPr>
+              <a:t>:Model</a:t>
+            </a:r>
+            <a:endParaRPr lang="en-SG" sz="1600" dirty="0">
+              <a:solidFill>
+                <a:schemeClr val="bg1"/>
+              </a:solidFill>
+            </a:endParaRPr>
+          </a:p>
+        </p:txBody>
+      </p:sp>
+      <p:sp>
+        <p:nvSpPr>
+          <p:cNvPr id="81" name="Rectangle 65"/>
+          <p:cNvSpPr/>
+          <p:nvPr/>
+        </p:nvSpPr>
+        <p:spPr>
+          <a:xfrm>
+            <a:off x="315058" y="658208"/>
+            <a:ext cx="7000994" cy="5240041"/>
+          </a:xfrm>
+          <a:prstGeom prst="roundRect">
+            <a:avLst>
+              <a:gd name="adj" fmla="val 3484"/>
+            </a:avLst>
+          </a:prstGeom>
+          <a:solidFill>
+            <a:schemeClr val="accent1">
+              <a:lumMod val="20000"/>
+              <a:lumOff val="80000"/>
+            </a:schemeClr>
+          </a:solidFill>
+          <a:ln w="19050">
+            <a:noFill/>
+          </a:ln>
+          <a:effectLst/>
+        </p:spPr>
+        <p:style>
+          <a:lnRef idx="1">
+            <a:schemeClr val="accent2"/>
+          </a:lnRef>
+          <a:fillRef idx="2">
+            <a:schemeClr val="accent2"/>
+          </a:fillRef>
+          <a:effectRef idx="1">
+            <a:schemeClr val="accent2"/>
+          </a:effectRef>
+          <a:fontRef idx="minor">
+            <a:schemeClr val="dk1"/>
+          </a:fontRef>
+        </p:style>
+        <p:txBody>
+          <a:bodyPr rtlCol="0" anchor="t"/>
+          <a:lstStyle/>
+          <a:p>
+            <a:r>
+              <a:rPr lang="en-US" sz="1200" b="1" dirty="0">
+                <a:solidFill>
+                  <a:srgbClr val="0070C0"/>
+                </a:solidFill>
+              </a:rPr>
+              <a:t>Logic</a:t>
+            </a:r>
+            <a:endParaRPr lang="en-SG" sz="1200" b="1" dirty="0">
+              <a:solidFill>
+                <a:srgbClr val="0070C0"/>
+              </a:solidFill>
+            </a:endParaRPr>
+          </a:p>
+        </p:txBody>
+      </p:sp>
+      <p:sp>
+        <p:nvSpPr>
+          <p:cNvPr id="2" name="Rectangle 62"/>
+          <p:cNvSpPr/>
+          <p:nvPr/>
+        </p:nvSpPr>
+        <p:spPr>
+          <a:xfrm>
+            <a:off x="821897" y="1077346"/>
+            <a:ext cx="1455629" cy="346760"/>
+          </a:xfrm>
+          <a:prstGeom prst="rect">
+            <a:avLst/>
+          </a:prstGeom>
+          <a:solidFill>
+            <a:srgbClr val="0070C0"/>
+          </a:solidFill>
+          <a:ln w="19050">
+            <a:solidFill>
+              <a:srgbClr val="0070C0"/>
+            </a:solidFill>
+          </a:ln>
+          <a:effectLst/>
+        </p:spPr>
+        <p:style>
+          <a:lnRef idx="1">
+            <a:schemeClr val="accent2"/>
+          </a:lnRef>
+          <a:fillRef idx="2">
+            <a:schemeClr val="accent2"/>
+          </a:fillRef>
+          <a:effectRef idx="1">
+            <a:schemeClr val="accent2"/>
+          </a:effectRef>
+          <a:fontRef idx="minor">
+            <a:schemeClr val="dk1"/>
+          </a:fontRef>
+        </p:style>
+        <p:txBody>
+          <a:bodyPr rtlCol="0" anchor="ctr"/>
+          <a:lstStyle/>
+          <a:p>
+            <a:pPr algn="ctr"/>
+            <a:r>
+              <a:rPr lang="en-US" sz="1600" dirty="0">
+                <a:solidFill>
+                  <a:schemeClr val="bg1"/>
+                </a:solidFill>
+              </a:rPr>
               <a:t>:</a:t>
             </a:r>
             <a:r>
@@ -4097,7 +3631,7 @@
                   <a:schemeClr val="bg1"/>
                 </a:solidFill>
               </a:rPr>
-              <a:t>EventsCentre</a:t>
+              <a:t>LogicManager</a:t>
             </a:r>
             <a:endParaRPr lang="en-SG" sz="1600" dirty="0">
               <a:solidFill>
@@ -4109,7 +3643,7 @@
       </p:sp>
       <p:cxnSp>
         <p:nvCxnSpPr>
-          <p:cNvPr id="64" name="Straight Arrow Connector 63"/>
+          <p:cNvPr id="5" name="Straight Connector 4"/>
           <p:cNvCxnSpPr>
             <a:cxnSpLocks/>
           </p:cNvCxnSpPr>
@@ -4117,44 +3651,45 @@
         </p:nvCxnSpPr>
         <p:spPr>
           <a:xfrm>
-            <a:off x="1630103" y="3276117"/>
-            <a:ext cx="3432689" cy="0"/>
-          </a:xfrm>
-          <a:prstGeom prst="straightConnector1">
+            <a:off x="1549711" y="1441017"/>
+            <a:ext cx="0" cy="5188383"/>
+          </a:xfrm>
+          <a:prstGeom prst="line">
             <a:avLst/>
           </a:prstGeom>
           <a:ln w="19050">
             <a:solidFill>
               <a:srgbClr val="0070C0"/>
             </a:solidFill>
-            <a:tailEnd type="arrow"/>
+            <a:prstDash val="sysDash"/>
           </a:ln>
+          <a:effectLst/>
         </p:spPr>
         <p:style>
           <a:lnRef idx="1">
             <a:schemeClr val="accent1"/>
           </a:lnRef>
-          <a:fillRef idx="0">
+          <a:fillRef idx="2">
             <a:schemeClr val="accent1"/>
           </a:fillRef>
-          <a:effectRef idx="0">
+          <a:effectRef idx="1">
             <a:schemeClr val="accent1"/>
           </a:effectRef>
           <a:fontRef idx="minor">
-            <a:schemeClr val="tx1"/>
+            <a:schemeClr val="dk1"/>
           </a:fontRef>
         </p:style>
       </p:cxnSp>
       <p:sp>
         <p:nvSpPr>
-          <p:cNvPr id="65" name="Rectangle 64"/>
+          <p:cNvPr id="6" name="Rectangle 5"/>
           <p:cNvSpPr/>
           <p:nvPr/>
         </p:nvSpPr>
         <p:spPr>
           <a:xfrm>
-            <a:off x="5062791" y="3247800"/>
-            <a:ext cx="176389" cy="1917344"/>
+            <a:off x="1477702" y="1791711"/>
+            <a:ext cx="153967" cy="3896398"/>
           </a:xfrm>
           <a:prstGeom prst="rect">
             <a:avLst/>
@@ -4192,19 +3727,566 @@
           </a:p>
         </p:txBody>
       </p:sp>
+      <p:sp>
+        <p:nvSpPr>
+          <p:cNvPr id="16" name="Rectangle 62"/>
+          <p:cNvSpPr/>
+          <p:nvPr/>
+        </p:nvSpPr>
+        <p:spPr>
+          <a:xfrm>
+            <a:off x="2720052" y="960109"/>
+            <a:ext cx="1219200" cy="467684"/>
+          </a:xfrm>
+          <a:prstGeom prst="rect">
+            <a:avLst/>
+          </a:prstGeom>
+          <a:solidFill>
+            <a:srgbClr val="0070C0"/>
+          </a:solidFill>
+          <a:ln w="19050">
+            <a:solidFill>
+              <a:srgbClr val="0070C0"/>
+            </a:solidFill>
+          </a:ln>
+          <a:effectLst/>
+        </p:spPr>
+        <p:style>
+          <a:lnRef idx="1">
+            <a:schemeClr val="accent2"/>
+          </a:lnRef>
+          <a:fillRef idx="2">
+            <a:schemeClr val="accent2"/>
+          </a:fillRef>
+          <a:effectRef idx="1">
+            <a:schemeClr val="accent2"/>
+          </a:effectRef>
+          <a:fontRef idx="minor">
+            <a:schemeClr val="dk1"/>
+          </a:fontRef>
+        </p:style>
+        <p:txBody>
+          <a:bodyPr rtlCol="0" anchor="ctr"/>
+          <a:lstStyle/>
+          <a:p>
+            <a:pPr algn="ctr"/>
+            <a:r>
+              <a:rPr lang="en-US" sz="1600" dirty="0">
+                <a:solidFill>
+                  <a:schemeClr val="bg1"/>
+                </a:solidFill>
+              </a:rPr>
+              <a:t>:Address</a:t>
+            </a:r>
+          </a:p>
+          <a:p>
+            <a:pPr algn="ctr"/>
+            <a:r>
+              <a:rPr lang="en-US" sz="1600" dirty="0" err="1">
+                <a:solidFill>
+                  <a:schemeClr val="bg1"/>
+                </a:solidFill>
+              </a:rPr>
+              <a:t>BookParser</a:t>
+            </a:r>
+            <a:endParaRPr lang="en-SG" sz="1600" dirty="0">
+              <a:solidFill>
+                <a:schemeClr val="bg1"/>
+              </a:solidFill>
+            </a:endParaRPr>
+          </a:p>
+        </p:txBody>
+      </p:sp>
+      <p:cxnSp>
+        <p:nvCxnSpPr>
+          <p:cNvPr id="17" name="Straight Connector 16"/>
+          <p:cNvCxnSpPr>
+            <a:cxnSpLocks/>
+          </p:cNvCxnSpPr>
+          <p:nvPr/>
+        </p:nvCxnSpPr>
+        <p:spPr>
+          <a:xfrm>
+            <a:off x="3333451" y="1444704"/>
+            <a:ext cx="15455" cy="3355896"/>
+          </a:xfrm>
+          <a:prstGeom prst="line">
+            <a:avLst/>
+          </a:prstGeom>
+          <a:ln w="19050">
+            <a:solidFill>
+              <a:srgbClr val="0070C0"/>
+            </a:solidFill>
+            <a:prstDash val="sysDash"/>
+          </a:ln>
+          <a:effectLst/>
+        </p:spPr>
+        <p:style>
+          <a:lnRef idx="1">
+            <a:schemeClr val="accent1"/>
+          </a:lnRef>
+          <a:fillRef idx="2">
+            <a:schemeClr val="accent1"/>
+          </a:fillRef>
+          <a:effectRef idx="1">
+            <a:schemeClr val="accent1"/>
+          </a:effectRef>
+          <a:fontRef idx="minor">
+            <a:schemeClr val="dk1"/>
+          </a:fontRef>
+        </p:style>
+      </p:cxnSp>
+      <p:sp>
+        <p:nvSpPr>
+          <p:cNvPr id="18" name="Rectangle 17"/>
+          <p:cNvSpPr/>
+          <p:nvPr/>
+        </p:nvSpPr>
+        <p:spPr>
+          <a:xfrm>
+            <a:off x="3230216" y="1902897"/>
+            <a:ext cx="192267" cy="651460"/>
+          </a:xfrm>
+          <a:prstGeom prst="rect">
+            <a:avLst/>
+          </a:prstGeom>
+          <a:solidFill>
+            <a:srgbClr val="0070C0"/>
+          </a:solidFill>
+          <a:ln>
+            <a:solidFill>
+              <a:srgbClr val="0070C0"/>
+            </a:solidFill>
+          </a:ln>
+          <a:effectLst/>
+        </p:spPr>
+        <p:style>
+          <a:lnRef idx="1">
+            <a:schemeClr val="accent3"/>
+          </a:lnRef>
+          <a:fillRef idx="2">
+            <a:schemeClr val="accent3"/>
+          </a:fillRef>
+          <a:effectRef idx="1">
+            <a:schemeClr val="accent3"/>
+          </a:effectRef>
+          <a:fontRef idx="minor">
+            <a:schemeClr val="dk1"/>
+          </a:fontRef>
+        </p:style>
+        <p:txBody>
+          <a:bodyPr rtlCol="0" anchor="ctr"/>
+          <a:lstStyle/>
+          <a:p>
+            <a:pPr algn="ctr"/>
+            <a:endParaRPr lang="en-SG" sz="1400">
+              <a:solidFill>
+                <a:schemeClr val="dk1"/>
+              </a:solidFill>
+            </a:endParaRPr>
+          </a:p>
+        </p:txBody>
+      </p:sp>
+      <p:cxnSp>
+        <p:nvCxnSpPr>
+          <p:cNvPr id="23" name="Straight Arrow Connector 22"/>
+          <p:cNvCxnSpPr>
+            <a:cxnSpLocks/>
+          </p:cNvCxnSpPr>
+          <p:nvPr/>
+        </p:nvCxnSpPr>
+        <p:spPr>
+          <a:xfrm>
+            <a:off x="0" y="1795399"/>
+            <a:ext cx="1477703" cy="0"/>
+          </a:xfrm>
+          <a:prstGeom prst="straightConnector1">
+            <a:avLst/>
+          </a:prstGeom>
+          <a:ln w="19050">
+            <a:solidFill>
+              <a:srgbClr val="00B050"/>
+            </a:solidFill>
+            <a:tailEnd type="arrow"/>
+          </a:ln>
+        </p:spPr>
+        <p:style>
+          <a:lnRef idx="1">
+            <a:schemeClr val="accent1"/>
+          </a:lnRef>
+          <a:fillRef idx="0">
+            <a:schemeClr val="accent1"/>
+          </a:fillRef>
+          <a:effectRef idx="0">
+            <a:schemeClr val="accent1"/>
+          </a:effectRef>
+          <a:fontRef idx="minor">
+            <a:schemeClr val="tx1"/>
+          </a:fontRef>
+        </p:style>
+      </p:cxnSp>
+      <p:cxnSp>
+        <p:nvCxnSpPr>
+          <p:cNvPr id="25" name="Straight Arrow Connector 24"/>
+          <p:cNvCxnSpPr/>
+          <p:nvPr/>
+        </p:nvCxnSpPr>
+        <p:spPr>
+          <a:xfrm flipV="1">
+            <a:off x="1630103" y="1902897"/>
+            <a:ext cx="1596514" cy="1"/>
+          </a:xfrm>
+          <a:prstGeom prst="straightConnector1">
+            <a:avLst/>
+          </a:prstGeom>
+          <a:ln w="19050">
+            <a:solidFill>
+              <a:srgbClr val="0070C0"/>
+            </a:solidFill>
+            <a:tailEnd type="arrow"/>
+          </a:ln>
+        </p:spPr>
+        <p:style>
+          <a:lnRef idx="1">
+            <a:schemeClr val="accent1"/>
+          </a:lnRef>
+          <a:fillRef idx="0">
+            <a:schemeClr val="accent1"/>
+          </a:fillRef>
+          <a:effectRef idx="0">
+            <a:schemeClr val="accent1"/>
+          </a:effectRef>
+          <a:fontRef idx="minor">
+            <a:schemeClr val="tx1"/>
+          </a:fontRef>
+        </p:style>
+      </p:cxnSp>
+      <p:sp>
+        <p:nvSpPr>
+          <p:cNvPr id="26" name="TextBox 25"/>
+          <p:cNvSpPr txBox="1"/>
+          <p:nvPr/>
+        </p:nvSpPr>
+        <p:spPr>
+          <a:xfrm>
+            <a:off x="-152400" y="1524000"/>
+            <a:ext cx="1653252" cy="215444"/>
+          </a:xfrm>
+          <a:prstGeom prst="rect">
+            <a:avLst/>
+          </a:prstGeom>
+          <a:noFill/>
+        </p:spPr>
+        <p:txBody>
+          <a:bodyPr wrap="square" lIns="0" tIns="0" rIns="0" bIns="0" rtlCol="0">
+            <a:spAutoFit/>
+          </a:bodyPr>
+          <a:lstStyle/>
+          <a:p>
+            <a:pPr algn="r"/>
+            <a:r>
+              <a:rPr lang="en-US" sz="1400" dirty="0">
+                <a:solidFill>
+                  <a:srgbClr val="0070C0"/>
+                </a:solidFill>
+              </a:rPr>
+              <a:t>execute(“birthdays”)</a:t>
+            </a:r>
+          </a:p>
+        </p:txBody>
+      </p:sp>
+      <p:sp>
+        <p:nvSpPr>
+          <p:cNvPr id="29" name="TextBox 28"/>
+          <p:cNvSpPr txBox="1"/>
+          <p:nvPr/>
+        </p:nvSpPr>
+        <p:spPr>
+          <a:xfrm>
+            <a:off x="5118211" y="3686867"/>
+            <a:ext cx="855809" cy="215444"/>
+          </a:xfrm>
+          <a:prstGeom prst="rect">
+            <a:avLst/>
+          </a:prstGeom>
+          <a:noFill/>
+        </p:spPr>
+        <p:txBody>
+          <a:bodyPr wrap="square" lIns="0" tIns="0" rIns="0" bIns="0" rtlCol="0">
+            <a:spAutoFit/>
+          </a:bodyPr>
+          <a:lstStyle>
+            <a:defPPr>
+              <a:defRPr lang="en-US"/>
+            </a:defPPr>
+            <a:lvl1pPr algn="r">
+              <a:defRPr sz="1400">
+                <a:solidFill>
+                  <a:srgbClr val="0070C0"/>
+                </a:solidFill>
+              </a:defRPr>
+            </a:lvl1pPr>
+          </a:lstStyle>
+          <a:p>
+            <a:r>
+              <a:rPr lang="en-US" dirty="0"/>
+              <a:t>execute()</a:t>
+            </a:r>
+          </a:p>
+        </p:txBody>
+      </p:sp>
+      <p:cxnSp>
+        <p:nvCxnSpPr>
+          <p:cNvPr id="35" name="Straight Arrow Connector 34"/>
+          <p:cNvCxnSpPr>
+            <a:cxnSpLocks/>
+            <a:endCxn id="94" idx="2"/>
+          </p:cNvCxnSpPr>
+          <p:nvPr/>
+        </p:nvCxnSpPr>
+        <p:spPr>
+          <a:xfrm>
+            <a:off x="3485963" y="3778305"/>
+            <a:ext cx="1658302" cy="13335"/>
+          </a:xfrm>
+          <a:prstGeom prst="straightConnector1">
+            <a:avLst/>
+          </a:prstGeom>
+          <a:ln w="19050">
+            <a:solidFill>
+              <a:srgbClr val="0070C0"/>
+            </a:solidFill>
+            <a:prstDash val="sysDash"/>
+            <a:headEnd type="arrow" w="med" len="med"/>
+            <a:tailEnd type="none" w="med" len="med"/>
+          </a:ln>
+        </p:spPr>
+        <p:style>
+          <a:lnRef idx="1">
+            <a:schemeClr val="accent1"/>
+          </a:lnRef>
+          <a:fillRef idx="0">
+            <a:schemeClr val="accent1"/>
+          </a:fillRef>
+          <a:effectRef idx="0">
+            <a:schemeClr val="accent1"/>
+          </a:effectRef>
+          <a:fontRef idx="minor">
+            <a:schemeClr val="tx1"/>
+          </a:fontRef>
+        </p:style>
+      </p:cxnSp>
+      <p:cxnSp>
+        <p:nvCxnSpPr>
+          <p:cNvPr id="37" name="Straight Arrow Connector 36"/>
+          <p:cNvCxnSpPr>
+            <a:cxnSpLocks/>
+          </p:cNvCxnSpPr>
+          <p:nvPr/>
+        </p:nvCxnSpPr>
+        <p:spPr>
+          <a:xfrm>
+            <a:off x="76932" y="5638800"/>
+            <a:ext cx="1400771" cy="1"/>
+          </a:xfrm>
+          <a:prstGeom prst="straightConnector1">
+            <a:avLst/>
+          </a:prstGeom>
+          <a:ln w="19050">
+            <a:solidFill>
+              <a:schemeClr val="accent1"/>
+            </a:solidFill>
+            <a:prstDash val="sysDash"/>
+            <a:headEnd type="arrow" w="med" len="med"/>
+            <a:tailEnd type="none" w="med" len="med"/>
+          </a:ln>
+        </p:spPr>
+        <p:style>
+          <a:lnRef idx="1">
+            <a:schemeClr val="accent1"/>
+          </a:lnRef>
+          <a:fillRef idx="0">
+            <a:schemeClr val="accent1"/>
+          </a:fillRef>
+          <a:effectRef idx="0">
+            <a:schemeClr val="accent1"/>
+          </a:effectRef>
+          <a:fontRef idx="minor">
+            <a:schemeClr val="tx1"/>
+          </a:fontRef>
+        </p:style>
+      </p:cxnSp>
+      <p:sp>
+        <p:nvSpPr>
+          <p:cNvPr id="39" name="Rectangle 62"/>
+          <p:cNvSpPr/>
+          <p:nvPr/>
+        </p:nvSpPr>
+        <p:spPr>
+          <a:xfrm>
+            <a:off x="7391400" y="1525111"/>
+            <a:ext cx="1366677" cy="303689"/>
+          </a:xfrm>
+          <a:prstGeom prst="rect">
+            <a:avLst/>
+          </a:prstGeom>
+          <a:solidFill>
+            <a:schemeClr val="accent4">
+              <a:lumMod val="60000"/>
+              <a:lumOff val="40000"/>
+            </a:schemeClr>
+          </a:solidFill>
+          <a:ln w="19050">
+            <a:solidFill>
+              <a:schemeClr val="accent4">
+                <a:lumMod val="60000"/>
+                <a:lumOff val="40000"/>
+              </a:schemeClr>
+            </a:solidFill>
+          </a:ln>
+          <a:effectLst/>
+        </p:spPr>
+        <p:style>
+          <a:lnRef idx="1">
+            <a:schemeClr val="accent2"/>
+          </a:lnRef>
+          <a:fillRef idx="2">
+            <a:schemeClr val="accent2"/>
+          </a:fillRef>
+          <a:effectRef idx="1">
+            <a:schemeClr val="accent2"/>
+          </a:effectRef>
+          <a:fontRef idx="minor">
+            <a:schemeClr val="dk1"/>
+          </a:fontRef>
+        </p:style>
+        <p:txBody>
+          <a:bodyPr rtlCol="0" anchor="ctr"/>
+          <a:lstStyle/>
+          <a:p>
+            <a:pPr algn="ctr"/>
+            <a:r>
+              <a:rPr lang="en-US" sz="1600" dirty="0">
+                <a:solidFill>
+                  <a:schemeClr val="bg1"/>
+                </a:solidFill>
+              </a:rPr>
+              <a:t>:</a:t>
+            </a:r>
+            <a:r>
+              <a:rPr lang="en-US" sz="1600" dirty="0" err="1">
+                <a:solidFill>
+                  <a:schemeClr val="bg1"/>
+                </a:solidFill>
+              </a:rPr>
+              <a:t>EventsCentre</a:t>
+            </a:r>
+            <a:endParaRPr lang="en-SG" sz="1600" dirty="0">
+              <a:solidFill>
+                <a:schemeClr val="bg1"/>
+              </a:solidFill>
+            </a:endParaRPr>
+          </a:p>
+        </p:txBody>
+      </p:sp>
+      <p:cxnSp>
+        <p:nvCxnSpPr>
+          <p:cNvPr id="64" name="Straight Arrow Connector 63"/>
+          <p:cNvCxnSpPr>
+            <a:cxnSpLocks/>
+          </p:cNvCxnSpPr>
+          <p:nvPr/>
+        </p:nvCxnSpPr>
+        <p:spPr>
+          <a:xfrm>
+            <a:off x="1630103" y="3962400"/>
+            <a:ext cx="4399835" cy="0"/>
+          </a:xfrm>
+          <a:prstGeom prst="straightConnector1">
+            <a:avLst/>
+          </a:prstGeom>
+          <a:ln w="19050">
+            <a:solidFill>
+              <a:srgbClr val="0070C0"/>
+            </a:solidFill>
+            <a:tailEnd type="arrow"/>
+          </a:ln>
+        </p:spPr>
+        <p:style>
+          <a:lnRef idx="1">
+            <a:schemeClr val="accent1"/>
+          </a:lnRef>
+          <a:fillRef idx="0">
+            <a:schemeClr val="accent1"/>
+          </a:fillRef>
+          <a:effectRef idx="0">
+            <a:schemeClr val="accent1"/>
+          </a:effectRef>
+          <a:fontRef idx="minor">
+            <a:schemeClr val="tx1"/>
+          </a:fontRef>
+        </p:style>
+      </p:cxnSp>
+      <p:sp>
+        <p:nvSpPr>
+          <p:cNvPr id="65" name="Rectangle 64"/>
+          <p:cNvSpPr/>
+          <p:nvPr/>
+        </p:nvSpPr>
+        <p:spPr>
+          <a:xfrm>
+            <a:off x="6067001" y="3934815"/>
+            <a:ext cx="177211" cy="1441275"/>
+          </a:xfrm>
+          <a:prstGeom prst="rect">
+            <a:avLst/>
+          </a:prstGeom>
+          <a:solidFill>
+            <a:srgbClr val="0070C0"/>
+          </a:solidFill>
+          <a:ln>
+            <a:solidFill>
+              <a:srgbClr val="0070C0"/>
+            </a:solidFill>
+          </a:ln>
+          <a:effectLst/>
+        </p:spPr>
+        <p:style>
+          <a:lnRef idx="1">
+            <a:schemeClr val="accent3"/>
+          </a:lnRef>
+          <a:fillRef idx="2">
+            <a:schemeClr val="accent3"/>
+          </a:fillRef>
+          <a:effectRef idx="1">
+            <a:schemeClr val="accent3"/>
+          </a:effectRef>
+          <a:fontRef idx="minor">
+            <a:schemeClr val="dk1"/>
+          </a:fontRef>
+        </p:style>
+        <p:txBody>
+          <a:bodyPr rtlCol="0" anchor="ctr"/>
+          <a:lstStyle/>
+          <a:p>
+            <a:pPr algn="ctr"/>
+            <a:endParaRPr lang="en-SG" sz="1400"/>
+          </a:p>
+        </p:txBody>
+      </p:sp>
       <p:cxnSp>
         <p:nvCxnSpPr>
           <p:cNvPr id="71" name="Straight Connector 70"/>
           <p:cNvCxnSpPr>
             <a:cxnSpLocks/>
-            <a:stCxn id="73" idx="2"/>
+            <a:stCxn id="39" idx="2"/>
           </p:cNvCxnSpPr>
           <p:nvPr/>
         </p:nvCxnSpPr>
         <p:spPr>
-          <a:xfrm flipH="1">
-            <a:off x="6920084" y="3638623"/>
-            <a:ext cx="2650" cy="857177"/>
+          <a:xfrm>
+            <a:off x="8074739" y="1828800"/>
+            <a:ext cx="38322" cy="4343400"/>
           </a:xfrm>
           <a:prstGeom prst="line">
             <a:avLst/>
@@ -4243,8 +4325,8 @@
         </p:nvSpPr>
         <p:spPr>
           <a:xfrm>
-            <a:off x="6846534" y="3438820"/>
-            <a:ext cx="152400" cy="199803"/>
+            <a:off x="8005975" y="3948134"/>
+            <a:ext cx="181198" cy="201814"/>
           </a:xfrm>
           <a:prstGeom prst="rect">
             <a:avLst/>
@@ -4294,55 +4376,16 @@
       </p:sp>
       <p:cxnSp>
         <p:nvCxnSpPr>
-          <p:cNvPr id="75" name="Straight Arrow Connector 74"/>
+          <p:cNvPr id="76" name="Straight Arrow Connector 75"/>
           <p:cNvCxnSpPr>
             <a:cxnSpLocks/>
           </p:cNvCxnSpPr>
           <p:nvPr/>
         </p:nvCxnSpPr>
         <p:spPr>
-          <a:xfrm flipV="1">
-            <a:off x="5230655" y="3314700"/>
-            <a:ext cx="976844" cy="2542"/>
-          </a:xfrm>
-          <a:prstGeom prst="straightConnector1">
-            <a:avLst/>
-          </a:prstGeom>
-          <a:ln w="19050">
-            <a:solidFill>
-              <a:srgbClr val="0070C0"/>
-            </a:solidFill>
-            <a:tailEnd type="arrow"/>
-          </a:ln>
-        </p:spPr>
-        <p:style>
-          <a:lnRef idx="1">
-            <a:schemeClr val="accent1"/>
-          </a:lnRef>
-          <a:fillRef idx="0">
-            <a:schemeClr val="accent1"/>
-          </a:fillRef>
-          <a:effectRef idx="0">
-            <a:schemeClr val="accent1"/>
-          </a:effectRef>
-          <a:fontRef idx="minor">
-            <a:schemeClr val="tx1"/>
-          </a:fontRef>
-        </p:style>
-      </p:cxnSp>
-      <p:cxnSp>
-        <p:nvCxnSpPr>
-          <p:cNvPr id="76" name="Straight Arrow Connector 75"/>
-          <p:cNvCxnSpPr>
-            <a:cxnSpLocks/>
-            <a:endCxn id="73" idx="2"/>
-          </p:cNvCxnSpPr>
-          <p:nvPr/>
-        </p:nvCxnSpPr>
-        <p:spPr>
-          <a:xfrm>
-            <a:off x="5216651" y="3627508"/>
-            <a:ext cx="1706083" cy="11115"/>
+          <a:xfrm>
+            <a:off x="6248400" y="4104959"/>
+            <a:ext cx="1735995" cy="9840"/>
           </a:xfrm>
           <a:prstGeom prst="straightConnector1">
             <a:avLst/>
@@ -4384,8 +4427,8 @@
         </p:nvCxnSpPr>
         <p:spPr>
           <a:xfrm>
-            <a:off x="1623617" y="5105400"/>
-            <a:ext cx="3432689" cy="0"/>
+            <a:off x="1623617" y="5334000"/>
+            <a:ext cx="4443384" cy="0"/>
           </a:xfrm>
           <a:prstGeom prst="straightConnector1">
             <a:avLst/>
@@ -4462,7 +4505,7 @@
         </p:nvSpPr>
         <p:spPr>
           <a:xfrm>
-            <a:off x="1489297" y="4827067"/>
+            <a:off x="1506867" y="5031880"/>
             <a:ext cx="621216" cy="215444"/>
           </a:xfrm>
           <a:prstGeom prst="rect">
@@ -4502,7 +4545,7 @@
         </p:nvSpPr>
         <p:spPr>
           <a:xfrm>
-            <a:off x="129252" y="5085956"/>
+            <a:off x="-76200" y="5347156"/>
             <a:ext cx="762000" cy="215444"/>
           </a:xfrm>
           <a:prstGeom prst="rect">
@@ -4542,7 +4585,7 @@
         </p:nvSpPr>
         <p:spPr>
           <a:xfrm>
-            <a:off x="5418921" y="4251194"/>
+            <a:off x="6667222" y="4699662"/>
             <a:ext cx="1590354" cy="461538"/>
           </a:xfrm>
           <a:prstGeom prst="rect">
@@ -4609,7 +4652,7 @@
         </p:nvSpPr>
         <p:spPr>
           <a:xfrm>
-            <a:off x="6099953" y="4714156"/>
+            <a:off x="7419376" y="5162624"/>
             <a:ext cx="152400" cy="171376"/>
           </a:xfrm>
           <a:prstGeom prst="rect">
@@ -4658,8 +4701,8 @@
         </p:nvCxnSpPr>
         <p:spPr>
           <a:xfrm>
-            <a:off x="5230655" y="4885532"/>
-            <a:ext cx="1009267" cy="0"/>
+            <a:off x="6248400" y="5334000"/>
+            <a:ext cx="1147892" cy="0"/>
           </a:xfrm>
           <a:prstGeom prst="straightConnector1">
             <a:avLst/>
@@ -4696,7 +4739,7 @@
         </p:nvSpPr>
         <p:spPr>
           <a:xfrm>
-            <a:off x="1696867" y="2808786"/>
+            <a:off x="2333045" y="2442633"/>
             <a:ext cx="220343" cy="215444"/>
           </a:xfrm>
           <a:prstGeom prst="rect">
@@ -4850,14 +4893,13 @@
           <p:cNvPr id="46" name="Straight Connector 45"/>
           <p:cNvCxnSpPr>
             <a:cxnSpLocks/>
-            <a:stCxn id="45" idx="0"/>
           </p:cNvCxnSpPr>
           <p:nvPr/>
         </p:nvCxnSpPr>
         <p:spPr>
           <a:xfrm flipH="1">
-            <a:off x="5139720" y="2133600"/>
-            <a:ext cx="1" cy="3505200"/>
+            <a:off x="5139720" y="2209800"/>
+            <a:ext cx="1" cy="2161259"/>
           </a:xfrm>
           <a:prstGeom prst="line">
             <a:avLst/>
@@ -4895,8 +4937,8 @@
         </p:nvCxnSpPr>
         <p:spPr>
           <a:xfrm>
-            <a:off x="5242642" y="3810002"/>
-            <a:ext cx="1600430" cy="3650"/>
+            <a:off x="6248400" y="3962400"/>
+            <a:ext cx="1736577" cy="0"/>
           </a:xfrm>
           <a:prstGeom prst="straightConnector1">
             <a:avLst/>
@@ -5009,7 +5051,7 @@
         </p:nvSpPr>
         <p:spPr>
           <a:xfrm>
-            <a:off x="5111143" y="3045831"/>
+            <a:off x="6938564" y="3670756"/>
             <a:ext cx="1062436" cy="215444"/>
           </a:xfrm>
           <a:prstGeom prst="rect">
@@ -5059,7 +5101,7 @@
         </p:nvSpPr>
         <p:spPr>
           <a:xfrm>
-            <a:off x="6846534" y="3802523"/>
+            <a:off x="8013194" y="4254995"/>
             <a:ext cx="181198" cy="319742"/>
           </a:xfrm>
           <a:prstGeom prst="rect">
@@ -5108,55 +5150,6 @@
           </a:p>
         </p:txBody>
       </p:sp>
-      <p:cxnSp>
-        <p:nvCxnSpPr>
-          <p:cNvPr id="54" name="Straight Arrow Connector 53">
-            <a:extLst>
-              <a:ext uri="{FF2B5EF4-FFF2-40B4-BE49-F238E27FC236}">
-                <a16:creationId xmlns:a16="http://schemas.microsoft.com/office/drawing/2014/main" id="{DD6CCEB3-15C2-4165-905C-C8D38882833C}"/>
-              </a:ext>
-            </a:extLst>
-          </p:cNvPr>
-          <p:cNvCxnSpPr>
-            <a:cxnSpLocks/>
-          </p:cNvCxnSpPr>
-          <p:nvPr/>
-        </p:nvCxnSpPr>
-        <p:spPr>
-          <a:xfrm>
-            <a:off x="5212270" y="4114800"/>
-            <a:ext cx="1706083" cy="11115"/>
-          </a:xfrm>
-          <a:prstGeom prst="straightConnector1">
-            <a:avLst/>
-          </a:prstGeom>
-          <a:ln w="19050">
-            <a:solidFill>
-              <a:schemeClr val="accent4">
-                <a:lumMod val="60000"/>
-                <a:lumOff val="40000"/>
-              </a:schemeClr>
-            </a:solidFill>
-            <a:prstDash val="sysDash"/>
-            <a:headEnd type="arrow" w="med" len="med"/>
-            <a:tailEnd type="none" w="med" len="med"/>
-          </a:ln>
-        </p:spPr>
-        <p:style>
-          <a:lnRef idx="1">
-            <a:schemeClr val="accent1"/>
-          </a:lnRef>
-          <a:fillRef idx="0">
-            <a:schemeClr val="accent1"/>
-          </a:fillRef>
-          <a:effectRef idx="0">
-            <a:schemeClr val="accent1"/>
-          </a:effectRef>
-          <a:fontRef idx="minor">
-            <a:schemeClr val="tx1"/>
-          </a:fontRef>
-        </p:style>
-      </p:cxnSp>
       <p:sp>
         <p:nvSpPr>
           <p:cNvPr id="55" name="TextBox 54">
@@ -5171,7 +5164,7 @@
         </p:nvSpPr>
         <p:spPr>
           <a:xfrm>
-            <a:off x="6285095" y="3612811"/>
+            <a:off x="7401293" y="4002158"/>
             <a:ext cx="466464" cy="215444"/>
           </a:xfrm>
           <a:prstGeom prst="rect">
@@ -5203,12 +5196,56 @@
           </a:p>
         </p:txBody>
       </p:sp>
-      <p:sp>
-        <p:nvSpPr>
-          <p:cNvPr id="56" name="Rectangle 62">
+      <p:cxnSp>
+        <p:nvCxnSpPr>
+          <p:cNvPr id="87" name="Straight Arrow Connector 86">
             <a:extLst>
               <a:ext uri="{FF2B5EF4-FFF2-40B4-BE49-F238E27FC236}">
-                <a16:creationId xmlns:a16="http://schemas.microsoft.com/office/drawing/2014/main" id="{BD38B9CC-A2A0-4D4E-A28A-E85C197BDF91}"/>
+                <a16:creationId xmlns:a16="http://schemas.microsoft.com/office/drawing/2014/main" id="{9EAF9F35-45D2-4CFC-8919-0CE24D7B54AB}"/>
+              </a:ext>
+            </a:extLst>
+          </p:cNvPr>
+          <p:cNvCxnSpPr>
+            <a:cxnSpLocks/>
+          </p:cNvCxnSpPr>
+          <p:nvPr/>
+        </p:nvCxnSpPr>
+        <p:spPr>
+          <a:xfrm>
+            <a:off x="6248400" y="4953000"/>
+            <a:ext cx="381000" cy="0"/>
+          </a:xfrm>
+          <a:prstGeom prst="straightConnector1">
+            <a:avLst/>
+          </a:prstGeom>
+          <a:ln w="19050">
+            <a:solidFill>
+              <a:srgbClr val="0070C0"/>
+            </a:solidFill>
+            <a:tailEnd type="arrow"/>
+          </a:ln>
+        </p:spPr>
+        <p:style>
+          <a:lnRef idx="1">
+            <a:schemeClr val="accent1"/>
+          </a:lnRef>
+          <a:fillRef idx="0">
+            <a:schemeClr val="accent1"/>
+          </a:fillRef>
+          <a:effectRef idx="0">
+            <a:schemeClr val="accent1"/>
+          </a:effectRef>
+          <a:fontRef idx="minor">
+            <a:schemeClr val="tx1"/>
+          </a:fontRef>
+        </p:style>
+      </p:cxnSp>
+      <p:sp>
+        <p:nvSpPr>
+          <p:cNvPr id="47" name="Rectangle 62">
+            <a:extLst>
+              <a:ext uri="{FF2B5EF4-FFF2-40B4-BE49-F238E27FC236}">
+                <a16:creationId xmlns:a16="http://schemas.microsoft.com/office/drawing/2014/main" id="{CECCE9B8-463B-4D58-B897-7C35DAE6B44E}"/>
               </a:ext>
             </a:extLst>
           </p:cNvPr>
@@ -5217,24 +5254,18 @@
         </p:nvSpPr>
         <p:spPr>
           <a:xfrm>
-            <a:off x="7777005" y="2762143"/>
-            <a:ext cx="1002176" cy="362704"/>
+            <a:off x="5560356" y="2362200"/>
+            <a:ext cx="1145244" cy="432035"/>
           </a:xfrm>
           <a:prstGeom prst="rect">
             <a:avLst/>
           </a:prstGeom>
           <a:solidFill>
-            <a:schemeClr val="accent4">
-              <a:lumMod val="60000"/>
-              <a:lumOff val="40000"/>
-            </a:schemeClr>
+            <a:srgbClr val="0070C0"/>
           </a:solidFill>
           <a:ln w="19050">
             <a:solidFill>
-              <a:schemeClr val="accent4">
-                <a:lumMod val="60000"/>
-                <a:lumOff val="40000"/>
-              </a:schemeClr>
+              <a:srgbClr val="0070C0"/>
             </a:solidFill>
           </a:ln>
           <a:effectLst/>
@@ -5264,271 +5295,6 @@
                   <a:schemeClr val="bg1"/>
                 </a:solidFill>
               </a:rPr>
-              <a:t>:</a:t>
-            </a:r>
-            <a:r>
-              <a:rPr lang="en-US" sz="1600" dirty="0" err="1">
-                <a:solidFill>
-                  <a:schemeClr val="bg1"/>
-                </a:solidFill>
-              </a:rPr>
-              <a:t>EventBus</a:t>
-            </a:r>
-            <a:endParaRPr lang="en-SG" sz="1600" dirty="0">
-              <a:solidFill>
-                <a:schemeClr val="bg1"/>
-              </a:solidFill>
-            </a:endParaRPr>
-          </a:p>
-        </p:txBody>
-      </p:sp>
-      <p:cxnSp>
-        <p:nvCxnSpPr>
-          <p:cNvPr id="70" name="Straight Connector 69">
-            <a:extLst>
-              <a:ext uri="{FF2B5EF4-FFF2-40B4-BE49-F238E27FC236}">
-                <a16:creationId xmlns:a16="http://schemas.microsoft.com/office/drawing/2014/main" id="{E6CCCC8D-6416-4D56-BA37-B00D110D7DF0}"/>
-              </a:ext>
-            </a:extLst>
-          </p:cNvPr>
-          <p:cNvCxnSpPr>
-            <a:cxnSpLocks/>
-          </p:cNvCxnSpPr>
-          <p:nvPr/>
-        </p:nvCxnSpPr>
-        <p:spPr>
-          <a:xfrm>
-            <a:off x="8278093" y="3124847"/>
-            <a:ext cx="11382" cy="2513953"/>
-          </a:xfrm>
-          <a:prstGeom prst="line">
-            <a:avLst/>
-          </a:prstGeom>
-          <a:ln w="19050">
-            <a:solidFill>
-              <a:schemeClr val="accent4">
-                <a:lumMod val="60000"/>
-                <a:lumOff val="40000"/>
-              </a:schemeClr>
-            </a:solidFill>
-            <a:prstDash val="sysDash"/>
-          </a:ln>
-          <a:effectLst/>
-        </p:spPr>
-        <p:style>
-          <a:lnRef idx="1">
-            <a:schemeClr val="accent1"/>
-          </a:lnRef>
-          <a:fillRef idx="2">
-            <a:schemeClr val="accent1"/>
-          </a:fillRef>
-          <a:effectRef idx="1">
-            <a:schemeClr val="accent1"/>
-          </a:effectRef>
-          <a:fontRef idx="minor">
-            <a:schemeClr val="dk1"/>
-          </a:fontRef>
-        </p:style>
-      </p:cxnSp>
-      <p:cxnSp>
-        <p:nvCxnSpPr>
-          <p:cNvPr id="72" name="Straight Arrow Connector 71">
-            <a:extLst>
-              <a:ext uri="{FF2B5EF4-FFF2-40B4-BE49-F238E27FC236}">
-                <a16:creationId xmlns:a16="http://schemas.microsoft.com/office/drawing/2014/main" id="{DBC95D4D-1483-4D43-B564-60141846CE56}"/>
-              </a:ext>
-            </a:extLst>
-          </p:cNvPr>
-          <p:cNvCxnSpPr>
-            <a:cxnSpLocks/>
-            <a:endCxn id="48" idx="0"/>
-          </p:cNvCxnSpPr>
-          <p:nvPr/>
-        </p:nvCxnSpPr>
-        <p:spPr>
-          <a:xfrm flipH="1" flipV="1">
-            <a:off x="6937133" y="3802523"/>
-            <a:ext cx="1340962" cy="6366"/>
-          </a:xfrm>
-          <a:prstGeom prst="straightConnector1">
-            <a:avLst/>
-          </a:prstGeom>
-          <a:ln w="19050">
-            <a:solidFill>
-              <a:schemeClr val="accent4">
-                <a:lumMod val="60000"/>
-                <a:lumOff val="40000"/>
-              </a:schemeClr>
-            </a:solidFill>
-            <a:prstDash val="sysDash"/>
-            <a:headEnd type="arrow" w="med" len="med"/>
-            <a:tailEnd type="none" w="med" len="med"/>
-          </a:ln>
-        </p:spPr>
-        <p:style>
-          <a:lnRef idx="1">
-            <a:schemeClr val="accent1"/>
-          </a:lnRef>
-          <a:fillRef idx="0">
-            <a:schemeClr val="accent1"/>
-          </a:fillRef>
-          <a:effectRef idx="0">
-            <a:schemeClr val="accent1"/>
-          </a:effectRef>
-          <a:fontRef idx="minor">
-            <a:schemeClr val="tx1"/>
-          </a:fontRef>
-        </p:style>
-      </p:cxnSp>
-      <p:cxnSp>
-        <p:nvCxnSpPr>
-          <p:cNvPr id="85" name="Straight Arrow Connector 84">
-            <a:extLst>
-              <a:ext uri="{FF2B5EF4-FFF2-40B4-BE49-F238E27FC236}">
-                <a16:creationId xmlns:a16="http://schemas.microsoft.com/office/drawing/2014/main" id="{F6A6EDA7-A02A-4D92-9701-DCDE65E72939}"/>
-              </a:ext>
-            </a:extLst>
-          </p:cNvPr>
-          <p:cNvCxnSpPr>
-            <a:cxnSpLocks/>
-          </p:cNvCxnSpPr>
-          <p:nvPr/>
-        </p:nvCxnSpPr>
-        <p:spPr>
-          <a:xfrm>
-            <a:off x="7009275" y="4030753"/>
-            <a:ext cx="1250361" cy="1"/>
-          </a:xfrm>
-          <a:prstGeom prst="straightConnector1">
-            <a:avLst/>
-          </a:prstGeom>
-          <a:ln w="19050">
-            <a:solidFill>
-              <a:schemeClr val="accent4">
-                <a:lumMod val="60000"/>
-                <a:lumOff val="40000"/>
-              </a:schemeClr>
-            </a:solidFill>
-            <a:prstDash val="sysDash"/>
-            <a:headEnd type="arrow" w="med" len="med"/>
-            <a:tailEnd type="none" w="med" len="med"/>
-          </a:ln>
-        </p:spPr>
-        <p:style>
-          <a:lnRef idx="1">
-            <a:schemeClr val="accent1"/>
-          </a:lnRef>
-          <a:fillRef idx="0">
-            <a:schemeClr val="accent1"/>
-          </a:fillRef>
-          <a:effectRef idx="0">
-            <a:schemeClr val="accent1"/>
-          </a:effectRef>
-          <a:fontRef idx="minor">
-            <a:schemeClr val="tx1"/>
-          </a:fontRef>
-        </p:style>
-      </p:cxnSp>
-      <p:cxnSp>
-        <p:nvCxnSpPr>
-          <p:cNvPr id="87" name="Straight Arrow Connector 86">
-            <a:extLst>
-              <a:ext uri="{FF2B5EF4-FFF2-40B4-BE49-F238E27FC236}">
-                <a16:creationId xmlns:a16="http://schemas.microsoft.com/office/drawing/2014/main" id="{9EAF9F35-45D2-4CFC-8919-0CE24D7B54AB}"/>
-              </a:ext>
-            </a:extLst>
-          </p:cNvPr>
-          <p:cNvCxnSpPr>
-            <a:cxnSpLocks/>
-            <a:endCxn id="84" idx="1"/>
-          </p:cNvCxnSpPr>
-          <p:nvPr/>
-        </p:nvCxnSpPr>
-        <p:spPr>
-          <a:xfrm>
-            <a:off x="5228699" y="4481963"/>
-            <a:ext cx="190222" cy="0"/>
-          </a:xfrm>
-          <a:prstGeom prst="straightConnector1">
-            <a:avLst/>
-          </a:prstGeom>
-          <a:ln w="19050">
-            <a:solidFill>
-              <a:srgbClr val="0070C0"/>
-            </a:solidFill>
-            <a:tailEnd type="arrow"/>
-          </a:ln>
-        </p:spPr>
-        <p:style>
-          <a:lnRef idx="1">
-            <a:schemeClr val="accent1"/>
-          </a:lnRef>
-          <a:fillRef idx="0">
-            <a:schemeClr val="accent1"/>
-          </a:fillRef>
-          <a:effectRef idx="0">
-            <a:schemeClr val="accent1"/>
-          </a:effectRef>
-          <a:fontRef idx="minor">
-            <a:schemeClr val="tx1"/>
-          </a:fontRef>
-        </p:style>
-      </p:cxnSp>
-      <p:sp>
-        <p:nvSpPr>
-          <p:cNvPr id="47" name="Rectangle 62">
-            <a:extLst>
-              <a:ext uri="{FF2B5EF4-FFF2-40B4-BE49-F238E27FC236}">
-                <a16:creationId xmlns:a16="http://schemas.microsoft.com/office/drawing/2014/main" id="{CECCE9B8-463B-4D58-B897-7C35DAE6B44E}"/>
-              </a:ext>
-            </a:extLst>
-          </p:cNvPr>
-          <p:cNvSpPr/>
-          <p:nvPr/>
-        </p:nvSpPr>
-        <p:spPr>
-          <a:xfrm>
-            <a:off x="6178937" y="2171493"/>
-            <a:ext cx="1145244" cy="432035"/>
-          </a:xfrm>
-          <a:prstGeom prst="rect">
-            <a:avLst/>
-          </a:prstGeom>
-          <a:solidFill>
-            <a:srgbClr val="0070C0"/>
-          </a:solidFill>
-          <a:ln w="19050">
-            <a:solidFill>
-              <a:srgbClr val="0070C0"/>
-            </a:solidFill>
-          </a:ln>
-          <a:effectLst/>
-        </p:spPr>
-        <p:style>
-          <a:lnRef idx="1">
-            <a:schemeClr val="accent2"/>
-          </a:lnRef>
-          <a:fillRef idx="2">
-            <a:schemeClr val="accent2"/>
-          </a:fillRef>
-          <a:effectRef idx="1">
-            <a:schemeClr val="accent2"/>
-          </a:effectRef>
-          <a:fontRef idx="minor">
-            <a:schemeClr val="dk1"/>
-          </a:fontRef>
-        </p:style>
-        <p:txBody>
-          <a:bodyPr rtlCol="0" anchor="ctr"/>
-          <a:lstStyle/>
-          <a:p>
-            <a:pPr algn="ctr"/>
-            <a:r>
-              <a:rPr lang="en-US" sz="1600" dirty="0">
-                <a:solidFill>
-                  <a:schemeClr val="bg1"/>
-                </a:solidFill>
-              </a:rPr>
               <a:t>b:Birthdays</a:t>
             </a:r>
           </a:p>
@@ -5566,8 +5332,8 @@
         </p:nvCxnSpPr>
         <p:spPr>
           <a:xfrm>
-            <a:off x="3423351" y="2411997"/>
-            <a:ext cx="2750228" cy="0"/>
+            <a:off x="3423351" y="2514600"/>
+            <a:ext cx="2139249" cy="11958"/>
           </a:xfrm>
           <a:prstGeom prst="straightConnector1">
             <a:avLst/>
@@ -5608,8 +5374,8 @@
         </p:nvSpPr>
         <p:spPr>
           <a:xfrm>
-            <a:off x="6654071" y="2602758"/>
-            <a:ext cx="178021" cy="367003"/>
+            <a:off x="6029938" y="2791307"/>
+            <a:ext cx="187433" cy="837253"/>
           </a:xfrm>
           <a:prstGeom prst="rect">
             <a:avLst/>
@@ -5667,8 +5433,8 @@
         </p:nvCxnSpPr>
         <p:spPr>
           <a:xfrm>
-            <a:off x="6743697" y="2590798"/>
-            <a:ext cx="15034" cy="2514602"/>
+            <a:off x="6119855" y="2743200"/>
+            <a:ext cx="30734" cy="2944909"/>
           </a:xfrm>
           <a:prstGeom prst="line">
             <a:avLst/>
@@ -5710,8 +5476,8 @@
         </p:nvSpPr>
         <p:spPr>
           <a:xfrm>
-            <a:off x="5806502" y="141335"/>
-            <a:ext cx="1424846" cy="215444"/>
+            <a:off x="6357571" y="2743200"/>
+            <a:ext cx="1690438" cy="215444"/>
           </a:xfrm>
           <a:prstGeom prst="rect">
             <a:avLst/>
@@ -5737,7 +5503,7 @@
           <a:p>
             <a:r>
               <a:rPr lang="en-US" dirty="0" err="1"/>
-              <a:t>removeAll</a:t>
+              <a:t>parseBirthdaysforList</a:t>
             </a:r>
             <a:r>
               <a:rPr lang="en-US" dirty="0"/>
@@ -5761,13 +5527,13 @@
           <p:nvPr/>
         </p:nvCxnSpPr>
         <p:spPr>
-          <a:xfrm rot="16200000" flipH="1">
-            <a:off x="6702083" y="2548007"/>
-            <a:ext cx="215223" cy="191148"/>
+          <a:xfrm>
+            <a:off x="6233530" y="2829778"/>
+            <a:ext cx="118194" cy="79817"/>
           </a:xfrm>
           <a:prstGeom prst="bentConnector3">
             <a:avLst>
-              <a:gd name="adj1" fmla="val 33193"/>
+              <a:gd name="adj1" fmla="val 50000"/>
             </a:avLst>
           </a:prstGeom>
           <a:ln>
@@ -5807,13 +5573,13 @@
           <p:nvPr/>
         </p:nvCxnSpPr>
         <p:spPr>
-          <a:xfrm rot="5400000">
-            <a:off x="6818420" y="2829563"/>
-            <a:ext cx="131167" cy="91054"/>
+          <a:xfrm rot="10800000" flipV="1">
+            <a:off x="6217662" y="3397426"/>
+            <a:ext cx="183138" cy="77284"/>
           </a:xfrm>
           <a:prstGeom prst="bentConnector3">
             <a:avLst>
-              <a:gd name="adj1" fmla="val 106677"/>
+              <a:gd name="adj1" fmla="val 50000"/>
             </a:avLst>
           </a:prstGeom>
           <a:ln>
@@ -5852,8 +5618,8 @@
         </p:nvSpPr>
         <p:spPr>
           <a:xfrm>
-            <a:off x="6755379" y="2691538"/>
-            <a:ext cx="171466" cy="196674"/>
+            <a:off x="6164291" y="2923681"/>
+            <a:ext cx="187433" cy="438655"/>
           </a:xfrm>
           <a:prstGeom prst="rect">
             <a:avLst/>
@@ -5895,6 +5661,601 @@
           </a:p>
         </p:txBody>
       </p:sp>
+      <p:cxnSp>
+        <p:nvCxnSpPr>
+          <p:cNvPr id="66" name="Straight Connector 65">
+            <a:extLst>
+              <a:ext uri="{FF2B5EF4-FFF2-40B4-BE49-F238E27FC236}">
+                <a16:creationId xmlns:a16="http://schemas.microsoft.com/office/drawing/2014/main" id="{8C65737C-0A3E-4926-8564-8A716479E70E}"/>
+              </a:ext>
+            </a:extLst>
+          </p:cNvPr>
+          <p:cNvCxnSpPr>
+            <a:cxnSpLocks/>
+          </p:cNvCxnSpPr>
+          <p:nvPr/>
+        </p:nvCxnSpPr>
+        <p:spPr>
+          <a:xfrm>
+            <a:off x="8763000" y="2172941"/>
+            <a:ext cx="27030" cy="3846861"/>
+          </a:xfrm>
+          <a:prstGeom prst="line">
+            <a:avLst/>
+          </a:prstGeom>
+          <a:ln w="19050">
+            <a:solidFill>
+              <a:schemeClr val="accent4">
+                <a:lumMod val="60000"/>
+                <a:lumOff val="40000"/>
+              </a:schemeClr>
+            </a:solidFill>
+            <a:prstDash val="sysDash"/>
+          </a:ln>
+          <a:effectLst/>
+        </p:spPr>
+        <p:style>
+          <a:lnRef idx="1">
+            <a:schemeClr val="accent1"/>
+          </a:lnRef>
+          <a:fillRef idx="2">
+            <a:schemeClr val="accent1"/>
+          </a:fillRef>
+          <a:effectRef idx="1">
+            <a:schemeClr val="accent1"/>
+          </a:effectRef>
+          <a:fontRef idx="minor">
+            <a:schemeClr val="dk1"/>
+          </a:fontRef>
+        </p:style>
+      </p:cxnSp>
+      <p:sp>
+        <p:nvSpPr>
+          <p:cNvPr id="67" name="Rectangle 66">
+            <a:extLst>
+              <a:ext uri="{FF2B5EF4-FFF2-40B4-BE49-F238E27FC236}">
+                <a16:creationId xmlns:a16="http://schemas.microsoft.com/office/drawing/2014/main" id="{7D8F51AF-E258-4A9D-9693-E7D4D1CDD36F}"/>
+              </a:ext>
+            </a:extLst>
+          </p:cNvPr>
+          <p:cNvSpPr/>
+          <p:nvPr/>
+        </p:nvSpPr>
+        <p:spPr>
+          <a:xfrm>
+            <a:off x="8686800" y="3053343"/>
+            <a:ext cx="178193" cy="223257"/>
+          </a:xfrm>
+          <a:prstGeom prst="rect">
+            <a:avLst/>
+          </a:prstGeom>
+          <a:solidFill>
+            <a:schemeClr val="accent4">
+              <a:lumMod val="60000"/>
+              <a:lumOff val="40000"/>
+            </a:schemeClr>
+          </a:solidFill>
+          <a:ln>
+            <a:solidFill>
+              <a:schemeClr val="accent4">
+                <a:lumMod val="60000"/>
+                <a:lumOff val="40000"/>
+              </a:schemeClr>
+            </a:solidFill>
+          </a:ln>
+          <a:effectLst/>
+        </p:spPr>
+        <p:style>
+          <a:lnRef idx="1">
+            <a:schemeClr val="accent3"/>
+          </a:lnRef>
+          <a:fillRef idx="2">
+            <a:schemeClr val="accent3"/>
+          </a:fillRef>
+          <a:effectRef idx="1">
+            <a:schemeClr val="accent3"/>
+          </a:effectRef>
+          <a:fontRef idx="minor">
+            <a:schemeClr val="dk1"/>
+          </a:fontRef>
+        </p:style>
+        <p:txBody>
+          <a:bodyPr rtlCol="0" anchor="ctr"/>
+          <a:lstStyle/>
+          <a:p>
+            <a:pPr algn="ctr"/>
+            <a:endParaRPr lang="en-SG" sz="1400">
+              <a:solidFill>
+                <a:schemeClr val="dk1"/>
+              </a:solidFill>
+            </a:endParaRPr>
+          </a:p>
+        </p:txBody>
+      </p:sp>
+      <p:cxnSp>
+        <p:nvCxnSpPr>
+          <p:cNvPr id="79" name="Straight Arrow Connector 78">
+            <a:extLst>
+              <a:ext uri="{FF2B5EF4-FFF2-40B4-BE49-F238E27FC236}">
+                <a16:creationId xmlns:a16="http://schemas.microsoft.com/office/drawing/2014/main" id="{BA649ABF-CFAF-452A-924E-35A20738ECCB}"/>
+              </a:ext>
+            </a:extLst>
+          </p:cNvPr>
+          <p:cNvCxnSpPr>
+            <a:cxnSpLocks/>
+          </p:cNvCxnSpPr>
+          <p:nvPr/>
+        </p:nvCxnSpPr>
+        <p:spPr>
+          <a:xfrm>
+            <a:off x="6376774" y="3075029"/>
+            <a:ext cx="2306502" cy="6717"/>
+          </a:xfrm>
+          <a:prstGeom prst="straightConnector1">
+            <a:avLst/>
+          </a:prstGeom>
+          <a:ln w="19050">
+            <a:headEnd type="none" w="med" len="med"/>
+            <a:tailEnd type="arrow" w="med" len="med"/>
+          </a:ln>
+        </p:spPr>
+        <p:style>
+          <a:lnRef idx="1">
+            <a:schemeClr val="accent1"/>
+          </a:lnRef>
+          <a:fillRef idx="0">
+            <a:schemeClr val="accent1"/>
+          </a:fillRef>
+          <a:effectRef idx="0">
+            <a:schemeClr val="accent1"/>
+          </a:effectRef>
+          <a:fontRef idx="minor">
+            <a:schemeClr val="tx1"/>
+          </a:fontRef>
+        </p:style>
+      </p:cxnSp>
+      <p:cxnSp>
+        <p:nvCxnSpPr>
+          <p:cNvPr id="88" name="Straight Arrow Connector 87">
+            <a:extLst>
+              <a:ext uri="{FF2B5EF4-FFF2-40B4-BE49-F238E27FC236}">
+                <a16:creationId xmlns:a16="http://schemas.microsoft.com/office/drawing/2014/main" id="{F86F4744-89F3-46C1-8D1A-98A50FBE99C9}"/>
+              </a:ext>
+            </a:extLst>
+          </p:cNvPr>
+          <p:cNvCxnSpPr>
+            <a:cxnSpLocks/>
+          </p:cNvCxnSpPr>
+          <p:nvPr/>
+        </p:nvCxnSpPr>
+        <p:spPr>
+          <a:xfrm>
+            <a:off x="6368403" y="3251762"/>
+            <a:ext cx="2276131" cy="17745"/>
+          </a:xfrm>
+          <a:prstGeom prst="straightConnector1">
+            <a:avLst/>
+          </a:prstGeom>
+          <a:ln w="19050">
+            <a:solidFill>
+              <a:schemeClr val="accent4">
+                <a:lumMod val="60000"/>
+                <a:lumOff val="40000"/>
+              </a:schemeClr>
+            </a:solidFill>
+            <a:prstDash val="sysDash"/>
+            <a:headEnd type="arrow" w="med" len="med"/>
+            <a:tailEnd type="none" w="med" len="med"/>
+          </a:ln>
+        </p:spPr>
+        <p:style>
+          <a:lnRef idx="1">
+            <a:schemeClr val="accent1"/>
+          </a:lnRef>
+          <a:fillRef idx="0">
+            <a:schemeClr val="accent1"/>
+          </a:fillRef>
+          <a:effectRef idx="0">
+            <a:schemeClr val="accent1"/>
+          </a:effectRef>
+          <a:fontRef idx="minor">
+            <a:schemeClr val="tx1"/>
+          </a:fontRef>
+        </p:style>
+      </p:cxnSp>
+      <p:sp>
+        <p:nvSpPr>
+          <p:cNvPr id="89" name="TextBox 88">
+            <a:extLst>
+              <a:ext uri="{FF2B5EF4-FFF2-40B4-BE49-F238E27FC236}">
+                <a16:creationId xmlns:a16="http://schemas.microsoft.com/office/drawing/2014/main" id="{6B54BD47-2579-47CE-8416-1A32F30D9DDD}"/>
+              </a:ext>
+            </a:extLst>
+          </p:cNvPr>
+          <p:cNvSpPr txBox="1"/>
+          <p:nvPr/>
+        </p:nvSpPr>
+        <p:spPr>
+          <a:xfrm>
+            <a:off x="6984039" y="2872897"/>
+            <a:ext cx="1690438" cy="215444"/>
+          </a:xfrm>
+          <a:prstGeom prst="rect">
+            <a:avLst/>
+          </a:prstGeom>
+          <a:noFill/>
+        </p:spPr>
+        <p:txBody>
+          <a:bodyPr wrap="square" lIns="0" tIns="0" rIns="0" bIns="0" rtlCol="0">
+            <a:spAutoFit/>
+          </a:bodyPr>
+          <a:lstStyle>
+            <a:defPPr>
+              <a:defRPr lang="en-US"/>
+            </a:defPPr>
+            <a:lvl1pPr algn="r">
+              <a:defRPr sz="1400">
+                <a:solidFill>
+                  <a:srgbClr val="0070C0"/>
+                </a:solidFill>
+              </a:defRPr>
+            </a:lvl1pPr>
+          </a:lstStyle>
+          <a:p>
+            <a:r>
+              <a:rPr lang="en-US" dirty="0" err="1"/>
+              <a:t>getPersonList</a:t>
+            </a:r>
+            <a:r>
+              <a:rPr lang="en-US" dirty="0"/>
+              <a:t>()</a:t>
+            </a:r>
+          </a:p>
+        </p:txBody>
+      </p:sp>
+      <p:cxnSp>
+        <p:nvCxnSpPr>
+          <p:cNvPr id="85" name="Straight Arrow Connector 84">
+            <a:extLst>
+              <a:ext uri="{FF2B5EF4-FFF2-40B4-BE49-F238E27FC236}">
+                <a16:creationId xmlns:a16="http://schemas.microsoft.com/office/drawing/2014/main" id="{AB7279FF-ADA7-4285-AC4F-719D56DEA8B3}"/>
+              </a:ext>
+            </a:extLst>
+          </p:cNvPr>
+          <p:cNvCxnSpPr>
+            <a:cxnSpLocks/>
+          </p:cNvCxnSpPr>
+          <p:nvPr/>
+        </p:nvCxnSpPr>
+        <p:spPr>
+          <a:xfrm>
+            <a:off x="6248400" y="4267200"/>
+            <a:ext cx="1736577" cy="0"/>
+          </a:xfrm>
+          <a:prstGeom prst="straightConnector1">
+            <a:avLst/>
+          </a:prstGeom>
+          <a:ln w="19050">
+            <a:headEnd type="none" w="med" len="med"/>
+            <a:tailEnd type="arrow" w="med" len="med"/>
+          </a:ln>
+        </p:spPr>
+        <p:style>
+          <a:lnRef idx="1">
+            <a:schemeClr val="accent1"/>
+          </a:lnRef>
+          <a:fillRef idx="0">
+            <a:schemeClr val="accent1"/>
+          </a:fillRef>
+          <a:effectRef idx="0">
+            <a:schemeClr val="accent1"/>
+          </a:effectRef>
+          <a:fontRef idx="minor">
+            <a:schemeClr val="tx1"/>
+          </a:fontRef>
+        </p:style>
+      </p:cxnSp>
+      <p:cxnSp>
+        <p:nvCxnSpPr>
+          <p:cNvPr id="91" name="Straight Arrow Connector 90">
+            <a:extLst>
+              <a:ext uri="{FF2B5EF4-FFF2-40B4-BE49-F238E27FC236}">
+                <a16:creationId xmlns:a16="http://schemas.microsoft.com/office/drawing/2014/main" id="{42B0CDC5-85D3-478E-8E73-9FCED1BE789A}"/>
+              </a:ext>
+            </a:extLst>
+          </p:cNvPr>
+          <p:cNvCxnSpPr>
+            <a:cxnSpLocks/>
+          </p:cNvCxnSpPr>
+          <p:nvPr/>
+        </p:nvCxnSpPr>
+        <p:spPr>
+          <a:xfrm>
+            <a:off x="6265005" y="4562160"/>
+            <a:ext cx="1735995" cy="9840"/>
+          </a:xfrm>
+          <a:prstGeom prst="straightConnector1">
+            <a:avLst/>
+          </a:prstGeom>
+          <a:ln w="19050">
+            <a:solidFill>
+              <a:schemeClr val="accent4">
+                <a:lumMod val="60000"/>
+                <a:lumOff val="40000"/>
+              </a:schemeClr>
+            </a:solidFill>
+            <a:prstDash val="sysDash"/>
+            <a:headEnd type="arrow" w="med" len="med"/>
+            <a:tailEnd type="none" w="med" len="med"/>
+          </a:ln>
+        </p:spPr>
+        <p:style>
+          <a:lnRef idx="1">
+            <a:schemeClr val="accent1"/>
+          </a:lnRef>
+          <a:fillRef idx="0">
+            <a:schemeClr val="accent1"/>
+          </a:fillRef>
+          <a:effectRef idx="0">
+            <a:schemeClr val="accent1"/>
+          </a:effectRef>
+          <a:fontRef idx="minor">
+            <a:schemeClr val="tx1"/>
+          </a:fontRef>
+        </p:style>
+      </p:cxnSp>
+      <p:sp>
+        <p:nvSpPr>
+          <p:cNvPr id="92" name="TextBox 91">
+            <a:extLst>
+              <a:ext uri="{FF2B5EF4-FFF2-40B4-BE49-F238E27FC236}">
+                <a16:creationId xmlns:a16="http://schemas.microsoft.com/office/drawing/2014/main" id="{792DC7CE-03FA-471E-B6E2-A5D2D92972D1}"/>
+              </a:ext>
+            </a:extLst>
+          </p:cNvPr>
+          <p:cNvSpPr txBox="1"/>
+          <p:nvPr/>
+        </p:nvSpPr>
+        <p:spPr>
+          <a:xfrm>
+            <a:off x="5036799" y="4323426"/>
+            <a:ext cx="153967" cy="215444"/>
+          </a:xfrm>
+          <a:prstGeom prst="rect">
+            <a:avLst/>
+          </a:prstGeom>
+          <a:noFill/>
+        </p:spPr>
+        <p:txBody>
+          <a:bodyPr wrap="square" lIns="0" tIns="0" rIns="0" bIns="0" rtlCol="0">
+            <a:spAutoFit/>
+          </a:bodyPr>
+          <a:lstStyle>
+            <a:defPPr>
+              <a:defRPr lang="en-US"/>
+            </a:defPPr>
+            <a:lvl1pPr algn="r">
+              <a:defRPr sz="1400">
+                <a:solidFill>
+                  <a:srgbClr val="0070C0"/>
+                </a:solidFill>
+              </a:defRPr>
+            </a:lvl1pPr>
+          </a:lstStyle>
+          <a:p>
+            <a:r>
+              <a:rPr lang="en-US" dirty="0"/>
+              <a:t>x</a:t>
+            </a:r>
+          </a:p>
+        </p:txBody>
+      </p:sp>
+      <p:sp>
+        <p:nvSpPr>
+          <p:cNvPr id="94" name="Rectangle 93">
+            <a:extLst>
+              <a:ext uri="{FF2B5EF4-FFF2-40B4-BE49-F238E27FC236}">
+                <a16:creationId xmlns:a16="http://schemas.microsoft.com/office/drawing/2014/main" id="{95D9FA88-56C1-4C12-BB91-83FC7F0C12A5}"/>
+              </a:ext>
+            </a:extLst>
+          </p:cNvPr>
+          <p:cNvSpPr/>
+          <p:nvPr/>
+        </p:nvSpPr>
+        <p:spPr>
+          <a:xfrm>
+            <a:off x="5042863" y="3564612"/>
+            <a:ext cx="202804" cy="227028"/>
+          </a:xfrm>
+          <a:prstGeom prst="rect">
+            <a:avLst/>
+          </a:prstGeom>
+          <a:solidFill>
+            <a:srgbClr val="0070C0"/>
+          </a:solidFill>
+          <a:ln>
+            <a:solidFill>
+              <a:srgbClr val="0070C0"/>
+            </a:solidFill>
+          </a:ln>
+          <a:effectLst/>
+        </p:spPr>
+        <p:style>
+          <a:lnRef idx="1">
+            <a:schemeClr val="accent3"/>
+          </a:lnRef>
+          <a:fillRef idx="2">
+            <a:schemeClr val="accent3"/>
+          </a:fillRef>
+          <a:effectRef idx="1">
+            <a:schemeClr val="accent3"/>
+          </a:effectRef>
+          <a:fontRef idx="minor">
+            <a:schemeClr val="dk1"/>
+          </a:fontRef>
+        </p:style>
+        <p:txBody>
+          <a:bodyPr rtlCol="0" anchor="ctr"/>
+          <a:lstStyle/>
+          <a:p>
+            <a:pPr algn="ctr"/>
+            <a:endParaRPr lang="en-SG" sz="1400">
+              <a:solidFill>
+                <a:schemeClr val="dk1"/>
+              </a:solidFill>
+            </a:endParaRPr>
+          </a:p>
+        </p:txBody>
+      </p:sp>
+      <p:cxnSp>
+        <p:nvCxnSpPr>
+          <p:cNvPr id="97" name="Straight Arrow Connector 96">
+            <a:extLst>
+              <a:ext uri="{FF2B5EF4-FFF2-40B4-BE49-F238E27FC236}">
+                <a16:creationId xmlns:a16="http://schemas.microsoft.com/office/drawing/2014/main" id="{32034DF9-B9DA-4409-ABB5-C7381B9DA55D}"/>
+              </a:ext>
+            </a:extLst>
+          </p:cNvPr>
+          <p:cNvCxnSpPr>
+            <a:cxnSpLocks/>
+          </p:cNvCxnSpPr>
+          <p:nvPr/>
+        </p:nvCxnSpPr>
+        <p:spPr>
+          <a:xfrm flipV="1">
+            <a:off x="5289940" y="3600499"/>
+            <a:ext cx="735080" cy="1"/>
+          </a:xfrm>
+          <a:prstGeom prst="straightConnector1">
+            <a:avLst/>
+          </a:prstGeom>
+          <a:ln w="19050">
+            <a:solidFill>
+              <a:srgbClr val="0070C0"/>
+            </a:solidFill>
+            <a:prstDash val="sysDash"/>
+            <a:headEnd type="arrow" w="med" len="med"/>
+            <a:tailEnd type="none" w="med" len="med"/>
+          </a:ln>
+        </p:spPr>
+        <p:style>
+          <a:lnRef idx="1">
+            <a:schemeClr val="accent1"/>
+          </a:lnRef>
+          <a:fillRef idx="0">
+            <a:schemeClr val="accent1"/>
+          </a:fillRef>
+          <a:effectRef idx="0">
+            <a:schemeClr val="accent1"/>
+          </a:effectRef>
+          <a:fontRef idx="minor">
+            <a:schemeClr val="tx1"/>
+          </a:fontRef>
+        </p:style>
+      </p:cxnSp>
+      <p:sp>
+        <p:nvSpPr>
+          <p:cNvPr id="100" name="Rectangle 99">
+            <a:extLst>
+              <a:ext uri="{FF2B5EF4-FFF2-40B4-BE49-F238E27FC236}">
+                <a16:creationId xmlns:a16="http://schemas.microsoft.com/office/drawing/2014/main" id="{2DDA2A32-41C8-40D4-82E5-D2F678BD75A5}"/>
+              </a:ext>
+            </a:extLst>
+          </p:cNvPr>
+          <p:cNvSpPr/>
+          <p:nvPr/>
+        </p:nvSpPr>
+        <p:spPr>
+          <a:xfrm>
+            <a:off x="3249321" y="3706000"/>
+            <a:ext cx="210215" cy="192157"/>
+          </a:xfrm>
+          <a:prstGeom prst="rect">
+            <a:avLst/>
+          </a:prstGeom>
+          <a:solidFill>
+            <a:srgbClr val="0070C0"/>
+          </a:solidFill>
+          <a:ln>
+            <a:solidFill>
+              <a:srgbClr val="0070C0"/>
+            </a:solidFill>
+          </a:ln>
+          <a:effectLst/>
+        </p:spPr>
+        <p:style>
+          <a:lnRef idx="1">
+            <a:schemeClr val="accent3"/>
+          </a:lnRef>
+          <a:fillRef idx="2">
+            <a:schemeClr val="accent3"/>
+          </a:fillRef>
+          <a:effectRef idx="1">
+            <a:schemeClr val="accent3"/>
+          </a:effectRef>
+          <a:fontRef idx="minor">
+            <a:schemeClr val="dk1"/>
+          </a:fontRef>
+        </p:style>
+        <p:txBody>
+          <a:bodyPr rtlCol="0" anchor="ctr"/>
+          <a:lstStyle/>
+          <a:p>
+            <a:pPr algn="ctr"/>
+            <a:endParaRPr lang="en-SG" sz="1400">
+              <a:solidFill>
+                <a:schemeClr val="dk1"/>
+              </a:solidFill>
+            </a:endParaRPr>
+          </a:p>
+        </p:txBody>
+      </p:sp>
+      <p:cxnSp>
+        <p:nvCxnSpPr>
+          <p:cNvPr id="102" name="Straight Arrow Connector 101">
+            <a:extLst>
+              <a:ext uri="{FF2B5EF4-FFF2-40B4-BE49-F238E27FC236}">
+                <a16:creationId xmlns:a16="http://schemas.microsoft.com/office/drawing/2014/main" id="{5DF3B102-38E8-4554-A0A2-CBB03A2384B8}"/>
+              </a:ext>
+            </a:extLst>
+          </p:cNvPr>
+          <p:cNvCxnSpPr>
+            <a:cxnSpLocks/>
+          </p:cNvCxnSpPr>
+          <p:nvPr/>
+        </p:nvCxnSpPr>
+        <p:spPr>
+          <a:xfrm flipV="1">
+            <a:off x="1650699" y="3875761"/>
+            <a:ext cx="1702101" cy="10439"/>
+          </a:xfrm>
+          <a:prstGeom prst="straightConnector1">
+            <a:avLst/>
+          </a:prstGeom>
+          <a:ln w="19050">
+            <a:solidFill>
+              <a:srgbClr val="0070C0"/>
+            </a:solidFill>
+            <a:prstDash val="sysDash"/>
+            <a:headEnd type="arrow" w="med" len="med"/>
+            <a:tailEnd type="none" w="med" len="med"/>
+          </a:ln>
+        </p:spPr>
+        <p:style>
+          <a:lnRef idx="1">
+            <a:schemeClr val="accent1"/>
+          </a:lnRef>
+          <a:fillRef idx="0">
+            <a:schemeClr val="accent1"/>
+          </a:fillRef>
+          <a:effectRef idx="0">
+            <a:schemeClr val="accent1"/>
+          </a:effectRef>
+          <a:fontRef idx="minor">
+            <a:schemeClr val="tx1"/>
+          </a:fontRef>
+        </p:style>
+      </p:cxnSp>
     </p:spTree>
     <p:extLst>
       <p:ext uri="{BB962C8B-B14F-4D97-AF65-F5344CB8AC3E}">
